--- a/WebContent/jhk/0522 feedback.pptx
+++ b/WebContent/jhk/0522 feedback.pptx
@@ -8,50 +8,47 @@
     <p:sldMasterId id="2147483676" r:id="rId4"/>
   </p:sldMasterIdLst>
   <p:notesMasterIdLst>
-    <p:notesMasterId r:id="rId30"/>
+    <p:notesMasterId r:id="rId31"/>
   </p:notesMasterIdLst>
   <p:sldIdLst>
     <p:sldId id="256" r:id="rId5"/>
     <p:sldId id="257" r:id="rId6"/>
     <p:sldId id="258" r:id="rId7"/>
     <p:sldId id="370" r:id="rId8"/>
-    <p:sldId id="496" r:id="rId9"/>
-    <p:sldId id="268" r:id="rId10"/>
-    <p:sldId id="504" r:id="rId11"/>
-    <p:sldId id="505" r:id="rId12"/>
-    <p:sldId id="441" r:id="rId13"/>
-    <p:sldId id="449" r:id="rId14"/>
-    <p:sldId id="503" r:id="rId15"/>
-    <p:sldId id="457" r:id="rId16"/>
-    <p:sldId id="460" r:id="rId17"/>
-    <p:sldId id="462" r:id="rId18"/>
-    <p:sldId id="467" r:id="rId19"/>
-    <p:sldId id="469" r:id="rId20"/>
-    <p:sldId id="475" r:id="rId21"/>
-    <p:sldId id="476" r:id="rId22"/>
-    <p:sldId id="501" r:id="rId23"/>
-    <p:sldId id="502" r:id="rId24"/>
-    <p:sldId id="483" r:id="rId25"/>
-    <p:sldId id="497" r:id="rId26"/>
-    <p:sldId id="498" r:id="rId27"/>
-    <p:sldId id="499" r:id="rId28"/>
-    <p:sldId id="500" r:id="rId29"/>
+    <p:sldId id="506" r:id="rId9"/>
+    <p:sldId id="496" r:id="rId10"/>
+    <p:sldId id="268" r:id="rId11"/>
+    <p:sldId id="504" r:id="rId12"/>
+    <p:sldId id="505" r:id="rId13"/>
+    <p:sldId id="441" r:id="rId14"/>
+    <p:sldId id="449" r:id="rId15"/>
+    <p:sldId id="503" r:id="rId16"/>
+    <p:sldId id="457" r:id="rId17"/>
+    <p:sldId id="460" r:id="rId18"/>
+    <p:sldId id="462" r:id="rId19"/>
+    <p:sldId id="467" r:id="rId20"/>
+    <p:sldId id="469" r:id="rId21"/>
+    <p:sldId id="475" r:id="rId22"/>
+    <p:sldId id="476" r:id="rId23"/>
+    <p:sldId id="501" r:id="rId24"/>
+    <p:sldId id="502" r:id="rId25"/>
+    <p:sldId id="483" r:id="rId26"/>
+    <p:sldId id="497" r:id="rId27"/>
+    <p:sldId id="498" r:id="rId28"/>
+    <p:sldId id="499" r:id="rId29"/>
+    <p:sldId id="500" r:id="rId30"/>
   </p:sldIdLst>
   <p:sldSz cx="9144000" cy="6858000" type="screen4x3"/>
   <p:notesSz cx="6858000" cy="9144000"/>
   <p:embeddedFontLst>
     <p:embeddedFont>
       <p:font typeface="타이포_스톰 B" panose="02020503020101020101" pitchFamily="18" charset="-127"/>
-      <p:regular r:id="rId31"/>
+      <p:regular r:id="rId32"/>
     </p:embeddedFont>
     <p:embeddedFont>
       <p:font typeface="Calibri Light" panose="020F0302020204030204" pitchFamily="34" charset="0"/>
-      <p:regular r:id="rId32"/>
-      <p:italic r:id="rId33"/>
-    </p:embeddedFont>
-    <p:embeddedFont>
-      <p:font typeface="나눔스퀘어_ac" panose="020B0600000101010101" pitchFamily="50" charset="-127"/>
-      <p:regular r:id="rId34"/>
+      <p:regular r:id="rId33"/>
+      <p:italic r:id="rId34"/>
     </p:embeddedFont>
     <p:embeddedFont>
       <p:font typeface="맑은 고딕" panose="020B0503020000020004" pitchFamily="50" charset="-127"/>
@@ -59,19 +56,23 @@
       <p:bold r:id="rId36"/>
     </p:embeddedFont>
     <p:embeddedFont>
-      <p:font typeface="Calibri" panose="020F0502020204030204" pitchFamily="34" charset="0"/>
-      <p:regular r:id="rId37"/>
-      <p:bold r:id="rId38"/>
-      <p:italic r:id="rId39"/>
-      <p:boldItalic r:id="rId40"/>
+      <p:font typeface="나눔스퀘어_ac ExtraBold" panose="020B0600000101010101" pitchFamily="50" charset="-127"/>
+      <p:bold r:id="rId37"/>
     </p:embeddedFont>
     <p:embeddedFont>
-      <p:font typeface="나눔스퀘어_ac ExtraBold" panose="020B0600000101010101" pitchFamily="50" charset="-127"/>
-      <p:bold r:id="rId41"/>
+      <p:font typeface="Calibri" panose="020F0502020204030204" pitchFamily="34" charset="0"/>
+      <p:regular r:id="rId38"/>
+      <p:bold r:id="rId39"/>
+      <p:italic r:id="rId40"/>
+      <p:boldItalic r:id="rId41"/>
     </p:embeddedFont>
     <p:embeddedFont>
       <p:font typeface="Bahnschrift Light SemiCondensed" panose="020B0502040204020203" pitchFamily="34" charset="0"/>
       <p:regular r:id="rId42"/>
+    </p:embeddedFont>
+    <p:embeddedFont>
+      <p:font typeface="나눔스퀘어_ac" panose="020B0600000101010101" pitchFamily="50" charset="-127"/>
+      <p:regular r:id="rId43"/>
     </p:embeddedFont>
   </p:embeddedFontLst>
   <p:defaultTextStyle>
@@ -270,7 +271,7 @@
           <a:p>
             <a:fld id="{B3C72940-44EF-4FB7-AB25-A5F13213BF8F}" type="datetimeFigureOut">
               <a:rPr lang="ko-KR" altLang="en-US" smtClean="0"/>
-              <a:t>2020-05-26</a:t>
+              <a:t>2020-05-27</a:t>
             </a:fld>
             <a:endParaRPr lang="ko-KR" altLang="en-US"/>
           </a:p>
@@ -764,7 +765,7 @@
           <a:p>
             <a:fld id="{FB7B64E6-86DF-4CE1-907D-31912E1E7929}" type="datetimeFigureOut">
               <a:rPr lang="ko-KR" altLang="en-US" smtClean="0"/>
-              <a:t>2020-05-26</a:t>
+              <a:t>2020-05-27</a:t>
             </a:fld>
             <a:endParaRPr lang="ko-KR" altLang="en-US"/>
           </a:p>
@@ -934,7 +935,7 @@
           <a:p>
             <a:fld id="{FB7B64E6-86DF-4CE1-907D-31912E1E7929}" type="datetimeFigureOut">
               <a:rPr lang="ko-KR" altLang="en-US" smtClean="0"/>
-              <a:t>2020-05-26</a:t>
+              <a:t>2020-05-27</a:t>
             </a:fld>
             <a:endParaRPr lang="ko-KR" altLang="en-US"/>
           </a:p>
@@ -1114,7 +1115,7 @@
           <a:p>
             <a:fld id="{FB7B64E6-86DF-4CE1-907D-31912E1E7929}" type="datetimeFigureOut">
               <a:rPr lang="ko-KR" altLang="en-US" smtClean="0"/>
-              <a:t>2020-05-26</a:t>
+              <a:t>2020-05-27</a:t>
             </a:fld>
             <a:endParaRPr lang="ko-KR" altLang="en-US"/>
           </a:p>
@@ -1391,7 +1392,7 @@
                 </a:solidFill>
               </a:rPr>
               <a:pPr/>
-              <a:t>2020-05-26</a:t>
+              <a:t>2020-05-27</a:t>
             </a:fld>
             <a:endParaRPr lang="ko-KR" altLang="en-US">
               <a:solidFill>
@@ -1591,7 +1592,7 @@
                 </a:solidFill>
               </a:rPr>
               <a:pPr/>
-              <a:t>2020-05-26</a:t>
+              <a:t>2020-05-27</a:t>
             </a:fld>
             <a:endParaRPr lang="ko-KR" altLang="en-US">
               <a:solidFill>
@@ -1868,7 +1869,7 @@
                 </a:solidFill>
               </a:rPr>
               <a:pPr/>
-              <a:t>2020-05-26</a:t>
+              <a:t>2020-05-27</a:t>
             </a:fld>
             <a:endParaRPr lang="ko-KR" altLang="en-US">
               <a:solidFill>
@@ -2185,7 +2186,7 @@
                 </a:solidFill>
               </a:rPr>
               <a:pPr/>
-              <a:t>2020-05-26</a:t>
+              <a:t>2020-05-27</a:t>
             </a:fld>
             <a:endParaRPr lang="ko-KR" altLang="en-US">
               <a:solidFill>
@@ -2636,7 +2637,7 @@
                 </a:solidFill>
               </a:rPr>
               <a:pPr/>
-              <a:t>2020-05-26</a:t>
+              <a:t>2020-05-27</a:t>
             </a:fld>
             <a:endParaRPr lang="ko-KR" altLang="en-US">
               <a:solidFill>
@@ -2785,7 +2786,7 @@
                 </a:solidFill>
               </a:rPr>
               <a:pPr/>
-              <a:t>2020-05-26</a:t>
+              <a:t>2020-05-27</a:t>
             </a:fld>
             <a:endParaRPr lang="ko-KR" altLang="en-US">
               <a:solidFill>
@@ -3002,7 +3003,7 @@
           <a:p>
             <a:fld id="{FB7B64E6-86DF-4CE1-907D-31912E1E7929}" type="datetimeFigureOut">
               <a:rPr lang="ko-KR" altLang="en-US" smtClean="0"/>
-              <a:t>2020-05-26</a:t>
+              <a:t>2020-05-27</a:t>
             </a:fld>
             <a:endParaRPr lang="ko-KR" altLang="en-US"/>
           </a:p>
@@ -3104,7 +3105,7 @@
                 </a:solidFill>
               </a:rPr>
               <a:pPr/>
-              <a:t>2020-05-26</a:t>
+              <a:t>2020-05-27</a:t>
             </a:fld>
             <a:endParaRPr lang="ko-KR" altLang="en-US">
               <a:solidFill>
@@ -3411,7 +3412,7 @@
                 </a:solidFill>
               </a:rPr>
               <a:pPr/>
-              <a:t>2020-05-26</a:t>
+              <a:t>2020-05-27</a:t>
             </a:fld>
             <a:endParaRPr lang="ko-KR" altLang="en-US">
               <a:solidFill>
@@ -3695,7 +3696,7 @@
                 </a:solidFill>
               </a:rPr>
               <a:pPr/>
-              <a:t>2020-05-26</a:t>
+              <a:t>2020-05-27</a:t>
             </a:fld>
             <a:endParaRPr lang="ko-KR" altLang="en-US">
               <a:solidFill>
@@ -3895,7 +3896,7 @@
                 </a:solidFill>
               </a:rPr>
               <a:pPr/>
-              <a:t>2020-05-26</a:t>
+              <a:t>2020-05-27</a:t>
             </a:fld>
             <a:endParaRPr lang="ko-KR" altLang="en-US">
               <a:solidFill>
@@ -4105,7 +4106,7 @@
                 </a:solidFill>
               </a:rPr>
               <a:pPr/>
-              <a:t>2020-05-26</a:t>
+              <a:t>2020-05-27</a:t>
             </a:fld>
             <a:endParaRPr lang="ko-KR" altLang="en-US">
               <a:solidFill>
@@ -4300,7 +4301,7 @@
           <a:p>
             <a:fld id="{FB7B64E6-86DF-4CE1-907D-31912E1E7929}" type="datetimeFigureOut">
               <a:rPr lang="ko-KR" altLang="en-US" smtClean="0"/>
-              <a:t>2020-05-26</a:t>
+              <a:t>2020-05-27</a:t>
             </a:fld>
             <a:endParaRPr lang="ko-KR" altLang="en-US"/>
           </a:p>
@@ -4544,7 +4545,7 @@
           <a:p>
             <a:fld id="{FB7B64E6-86DF-4CE1-907D-31912E1E7929}" type="datetimeFigureOut">
               <a:rPr lang="ko-KR" altLang="en-US" smtClean="0"/>
-              <a:t>2020-05-26</a:t>
+              <a:t>2020-05-27</a:t>
             </a:fld>
             <a:endParaRPr lang="ko-KR" altLang="en-US"/>
           </a:p>
@@ -4776,7 +4777,7 @@
           <a:p>
             <a:fld id="{FB7B64E6-86DF-4CE1-907D-31912E1E7929}" type="datetimeFigureOut">
               <a:rPr lang="ko-KR" altLang="en-US" smtClean="0"/>
-              <a:t>2020-05-26</a:t>
+              <a:t>2020-05-27</a:t>
             </a:fld>
             <a:endParaRPr lang="ko-KR" altLang="en-US"/>
           </a:p>
@@ -5143,7 +5144,7 @@
           <a:p>
             <a:fld id="{FB7B64E6-86DF-4CE1-907D-31912E1E7929}" type="datetimeFigureOut">
               <a:rPr lang="ko-KR" altLang="en-US" smtClean="0"/>
-              <a:t>2020-05-26</a:t>
+              <a:t>2020-05-27</a:t>
             </a:fld>
             <a:endParaRPr lang="ko-KR" altLang="en-US"/>
           </a:p>
@@ -5261,7 +5262,7 @@
           <a:p>
             <a:fld id="{FB7B64E6-86DF-4CE1-907D-31912E1E7929}" type="datetimeFigureOut">
               <a:rPr lang="ko-KR" altLang="en-US" smtClean="0"/>
-              <a:t>2020-05-26</a:t>
+              <a:t>2020-05-27</a:t>
             </a:fld>
             <a:endParaRPr lang="ko-KR" altLang="en-US"/>
           </a:p>
@@ -5356,7 +5357,7 @@
           <a:p>
             <a:fld id="{FB7B64E6-86DF-4CE1-907D-31912E1E7929}" type="datetimeFigureOut">
               <a:rPr lang="ko-KR" altLang="en-US" smtClean="0"/>
-              <a:t>2020-05-26</a:t>
+              <a:t>2020-05-27</a:t>
             </a:fld>
             <a:endParaRPr lang="ko-KR" altLang="en-US"/>
           </a:p>
@@ -5633,7 +5634,7 @@
           <a:p>
             <a:fld id="{FB7B64E6-86DF-4CE1-907D-31912E1E7929}" type="datetimeFigureOut">
               <a:rPr lang="ko-KR" altLang="en-US" smtClean="0"/>
-              <a:t>2020-05-26</a:t>
+              <a:t>2020-05-27</a:t>
             </a:fld>
             <a:endParaRPr lang="ko-KR" altLang="en-US"/>
           </a:p>
@@ -6240,7 +6241,7 @@
           <a:p>
             <a:fld id="{FB7B64E6-86DF-4CE1-907D-31912E1E7929}" type="datetimeFigureOut">
               <a:rPr lang="ko-KR" altLang="en-US" smtClean="0"/>
-              <a:t>2020-05-26</a:t>
+              <a:t>2020-05-27</a:t>
             </a:fld>
             <a:endParaRPr lang="ko-KR" altLang="en-US"/>
           </a:p>
@@ -7104,7 +7105,7 @@
                 </a:solidFill>
               </a:rPr>
               <a:pPr/>
-              <a:t>2020-05-26</a:t>
+              <a:t>2020-05-27</a:t>
             </a:fld>
             <a:endParaRPr lang="ko-KR" altLang="en-US">
               <a:solidFill>
@@ -7945,6 +7946,372 @@
           <a:chExt cx="0" cy="0"/>
         </a:xfrm>
       </p:grpSpPr>
+      <p:pic>
+        <p:nvPicPr>
+          <p:cNvPr id="4" name="그림 3"/>
+          <p:cNvPicPr>
+            <a:picLocks noChangeAspect="1"/>
+          </p:cNvPicPr>
+          <p:nvPr/>
+        </p:nvPicPr>
+        <p:blipFill rotWithShape="1">
+          <a:blip r:embed="rId2" cstate="print">
+            <a:extLst>
+              <a:ext uri="{28A0092B-C50C-407E-A947-70E740481C1C}">
+                <a14:useLocalDpi xmlns:a14="http://schemas.microsoft.com/office/drawing/2010/main" val="0"/>
+              </a:ext>
+            </a:extLst>
+          </a:blip>
+          <a:srcRect t="67021"/>
+          <a:stretch/>
+        </p:blipFill>
+        <p:spPr>
+          <a:xfrm>
+            <a:off x="3204519" y="1902945"/>
+            <a:ext cx="2877606" cy="661457"/>
+          </a:xfrm>
+          <a:prstGeom prst="rect">
+            <a:avLst/>
+          </a:prstGeom>
+        </p:spPr>
+      </p:pic>
+      <p:grpSp>
+        <p:nvGrpSpPr>
+          <p:cNvPr id="5" name="그룹 4"/>
+          <p:cNvGrpSpPr/>
+          <p:nvPr/>
+        </p:nvGrpSpPr>
+        <p:grpSpPr>
+          <a:xfrm>
+            <a:off x="2895599" y="2567275"/>
+            <a:ext cx="3480487" cy="48901"/>
+            <a:chOff x="0" y="6058453"/>
+            <a:chExt cx="9152314" cy="49876"/>
+          </a:xfrm>
+        </p:grpSpPr>
+        <p:sp>
+          <p:nvSpPr>
+            <p:cNvPr id="6" name="직사각형 5"/>
+            <p:cNvSpPr/>
+            <p:nvPr/>
+          </p:nvSpPr>
+          <p:spPr>
+            <a:xfrm>
+              <a:off x="0" y="6058453"/>
+              <a:ext cx="9144000" cy="49876"/>
+            </a:xfrm>
+            <a:prstGeom prst="rect">
+              <a:avLst/>
+            </a:prstGeom>
+            <a:solidFill>
+              <a:srgbClr val="94C3BB"/>
+            </a:solidFill>
+            <a:ln>
+              <a:noFill/>
+            </a:ln>
+          </p:spPr>
+          <p:style>
+            <a:lnRef idx="2">
+              <a:schemeClr val="accent1">
+                <a:shade val="50000"/>
+              </a:schemeClr>
+            </a:lnRef>
+            <a:fillRef idx="1">
+              <a:schemeClr val="accent1"/>
+            </a:fillRef>
+            <a:effectRef idx="0">
+              <a:schemeClr val="accent1"/>
+            </a:effectRef>
+            <a:fontRef idx="minor">
+              <a:schemeClr val="lt1"/>
+            </a:fontRef>
+          </p:style>
+          <p:txBody>
+            <a:bodyPr rtlCol="0" anchor="ctr"/>
+            <a:lstStyle/>
+            <a:p>
+              <a:pPr algn="ctr"/>
+              <a:endParaRPr lang="ko-KR" altLang="en-US">
+                <a:solidFill>
+                  <a:prstClr val="white"/>
+                </a:solidFill>
+              </a:endParaRPr>
+            </a:p>
+          </p:txBody>
+        </p:sp>
+        <p:sp>
+          <p:nvSpPr>
+            <p:cNvPr id="7" name="직사각형 6"/>
+            <p:cNvSpPr/>
+            <p:nvPr/>
+          </p:nvSpPr>
+          <p:spPr>
+            <a:xfrm>
+              <a:off x="4705004" y="6061421"/>
+              <a:ext cx="4447310" cy="43978"/>
+            </a:xfrm>
+            <a:prstGeom prst="rect">
+              <a:avLst/>
+            </a:prstGeom>
+            <a:solidFill>
+              <a:srgbClr val="FDBBC1"/>
+            </a:solidFill>
+            <a:ln>
+              <a:solidFill>
+                <a:srgbClr val="FDBBC1"/>
+              </a:solidFill>
+            </a:ln>
+          </p:spPr>
+          <p:style>
+            <a:lnRef idx="2">
+              <a:schemeClr val="accent1">
+                <a:shade val="50000"/>
+              </a:schemeClr>
+            </a:lnRef>
+            <a:fillRef idx="1">
+              <a:schemeClr val="accent1"/>
+            </a:fillRef>
+            <a:effectRef idx="0">
+              <a:schemeClr val="accent1"/>
+            </a:effectRef>
+            <a:fontRef idx="minor">
+              <a:schemeClr val="lt1"/>
+            </a:fontRef>
+          </p:style>
+          <p:txBody>
+            <a:bodyPr rtlCol="0" anchor="ctr"/>
+            <a:lstStyle/>
+            <a:p>
+              <a:pPr algn="ctr"/>
+              <a:endParaRPr lang="ko-KR" altLang="en-US">
+                <a:solidFill>
+                  <a:prstClr val="white"/>
+                </a:solidFill>
+              </a:endParaRPr>
+            </a:p>
+          </p:txBody>
+        </p:sp>
+      </p:grpSp>
+      <p:sp>
+        <p:nvSpPr>
+          <p:cNvPr id="8" name="직사각형 7"/>
+          <p:cNvSpPr/>
+          <p:nvPr/>
+        </p:nvSpPr>
+        <p:spPr>
+          <a:xfrm>
+            <a:off x="4595" y="2904002"/>
+            <a:ext cx="9143999" cy="557048"/>
+          </a:xfrm>
+          <a:prstGeom prst="rect">
+            <a:avLst/>
+          </a:prstGeom>
+          <a:solidFill>
+            <a:schemeClr val="bg1"/>
+          </a:solidFill>
+          <a:ln>
+            <a:noFill/>
+          </a:ln>
+        </p:spPr>
+        <p:style>
+          <a:lnRef idx="2">
+            <a:schemeClr val="accent1">
+              <a:shade val="50000"/>
+            </a:schemeClr>
+          </a:lnRef>
+          <a:fillRef idx="1">
+            <a:schemeClr val="accent1"/>
+          </a:fillRef>
+          <a:effectRef idx="0">
+            <a:schemeClr val="accent1"/>
+          </a:effectRef>
+          <a:fontRef idx="minor">
+            <a:schemeClr val="lt1"/>
+          </a:fontRef>
+        </p:style>
+        <p:txBody>
+          <a:bodyPr rtlCol="0" anchor="ctr"/>
+          <a:lstStyle/>
+          <a:p>
+            <a:pPr algn="ctr"/>
+            <a:r>
+              <a:rPr lang="ko-KR" altLang="en-US" sz="2800" smtClean="0">
+                <a:solidFill>
+                  <a:srgbClr val="E7E6E6">
+                    <a:lumMod val="25000"/>
+                  </a:srgbClr>
+                </a:solidFill>
+                <a:latin typeface="타이포_스톰 B" panose="02020503020101020101" pitchFamily="18" charset="-127"/>
+                <a:ea typeface="타이포_스톰 B" panose="02020503020101020101" pitchFamily="18" charset="-127"/>
+              </a:rPr>
+              <a:t>퇴사자 처리</a:t>
+            </a:r>
+            <a:endParaRPr lang="ko-KR" altLang="en-US" sz="2800" dirty="0">
+              <a:solidFill>
+                <a:srgbClr val="E7E6E6">
+                  <a:lumMod val="25000"/>
+                </a:srgbClr>
+              </a:solidFill>
+              <a:latin typeface="타이포_스톰 B" panose="02020503020101020101" pitchFamily="18" charset="-127"/>
+              <a:ea typeface="타이포_스톰 B" panose="02020503020101020101" pitchFamily="18" charset="-127"/>
+            </a:endParaRPr>
+          </a:p>
+        </p:txBody>
+      </p:sp>
+      <p:grpSp>
+        <p:nvGrpSpPr>
+          <p:cNvPr id="10" name="그룹 9"/>
+          <p:cNvGrpSpPr/>
+          <p:nvPr/>
+        </p:nvGrpSpPr>
+        <p:grpSpPr>
+          <a:xfrm rot="10800000">
+            <a:off x="3284078" y="3685324"/>
+            <a:ext cx="2718487" cy="45719"/>
+            <a:chOff x="0" y="6058453"/>
+            <a:chExt cx="9152314" cy="49876"/>
+          </a:xfrm>
+        </p:grpSpPr>
+        <p:sp>
+          <p:nvSpPr>
+            <p:cNvPr id="11" name="직사각형 10"/>
+            <p:cNvSpPr/>
+            <p:nvPr/>
+          </p:nvSpPr>
+          <p:spPr>
+            <a:xfrm>
+              <a:off x="0" y="6058453"/>
+              <a:ext cx="9144000" cy="49876"/>
+            </a:xfrm>
+            <a:prstGeom prst="rect">
+              <a:avLst/>
+            </a:prstGeom>
+            <a:solidFill>
+              <a:srgbClr val="94C3BB"/>
+            </a:solidFill>
+            <a:ln>
+              <a:noFill/>
+            </a:ln>
+          </p:spPr>
+          <p:style>
+            <a:lnRef idx="2">
+              <a:schemeClr val="accent1">
+                <a:shade val="50000"/>
+              </a:schemeClr>
+            </a:lnRef>
+            <a:fillRef idx="1">
+              <a:schemeClr val="accent1"/>
+            </a:fillRef>
+            <a:effectRef idx="0">
+              <a:schemeClr val="accent1"/>
+            </a:effectRef>
+            <a:fontRef idx="minor">
+              <a:schemeClr val="lt1"/>
+            </a:fontRef>
+          </p:style>
+          <p:txBody>
+            <a:bodyPr rtlCol="0" anchor="ctr"/>
+            <a:lstStyle/>
+            <a:p>
+              <a:pPr algn="ctr"/>
+              <a:endParaRPr lang="ko-KR" altLang="en-US">
+                <a:solidFill>
+                  <a:prstClr val="white"/>
+                </a:solidFill>
+              </a:endParaRPr>
+            </a:p>
+          </p:txBody>
+        </p:sp>
+        <p:sp>
+          <p:nvSpPr>
+            <p:cNvPr id="12" name="직사각형 11"/>
+            <p:cNvSpPr/>
+            <p:nvPr/>
+          </p:nvSpPr>
+          <p:spPr>
+            <a:xfrm>
+              <a:off x="4705004" y="6061421"/>
+              <a:ext cx="4447310" cy="43978"/>
+            </a:xfrm>
+            <a:prstGeom prst="rect">
+              <a:avLst/>
+            </a:prstGeom>
+            <a:solidFill>
+              <a:srgbClr val="FDBBC1"/>
+            </a:solidFill>
+            <a:ln>
+              <a:solidFill>
+                <a:srgbClr val="FDBBC1"/>
+              </a:solidFill>
+            </a:ln>
+          </p:spPr>
+          <p:style>
+            <a:lnRef idx="2">
+              <a:schemeClr val="accent1">
+                <a:shade val="50000"/>
+              </a:schemeClr>
+            </a:lnRef>
+            <a:fillRef idx="1">
+              <a:schemeClr val="accent1"/>
+            </a:fillRef>
+            <a:effectRef idx="0">
+              <a:schemeClr val="accent1"/>
+            </a:effectRef>
+            <a:fontRef idx="minor">
+              <a:schemeClr val="lt1"/>
+            </a:fontRef>
+          </p:style>
+          <p:txBody>
+            <a:bodyPr rtlCol="0" anchor="ctr"/>
+            <a:lstStyle/>
+            <a:p>
+              <a:pPr algn="ctr"/>
+              <a:endParaRPr lang="ko-KR" altLang="en-US">
+                <a:solidFill>
+                  <a:prstClr val="white"/>
+                </a:solidFill>
+              </a:endParaRPr>
+            </a:p>
+          </p:txBody>
+        </p:sp>
+      </p:grpSp>
+    </p:spTree>
+    <p:extLst>
+      <p:ext uri="{BB962C8B-B14F-4D97-AF65-F5344CB8AC3E}">
+        <p14:creationId xmlns:p14="http://schemas.microsoft.com/office/powerpoint/2010/main" val="2072351724"/>
+      </p:ext>
+    </p:extLst>
+  </p:cSld>
+  <p:clrMapOvr>
+    <a:masterClrMapping/>
+  </p:clrMapOvr>
+  <p:timing>
+    <p:tnLst>
+      <p:par>
+        <p:cTn id="1" dur="indefinite" restart="never" nodeType="tmRoot"/>
+      </p:par>
+    </p:tnLst>
+  </p:timing>
+</p:sld>
+</file>
+
+<file path=ppt/slides/slide11.xml><?xml version="1.0" encoding="utf-8"?>
+<p:sld xmlns:a="http://schemas.openxmlformats.org/drawingml/2006/main" xmlns:r="http://schemas.openxmlformats.org/officeDocument/2006/relationships" xmlns:p="http://schemas.openxmlformats.org/presentationml/2006/main">
+  <p:cSld>
+    <p:spTree>
+      <p:nvGrpSpPr>
+        <p:cNvPr id="1" name=""/>
+        <p:cNvGrpSpPr/>
+        <p:nvPr/>
+      </p:nvGrpSpPr>
+      <p:grpSpPr>
+        <a:xfrm>
+          <a:off x="0" y="0"/>
+          <a:ext cx="0" cy="0"/>
+          <a:chOff x="0" y="0"/>
+          <a:chExt cx="0" cy="0"/>
+        </a:xfrm>
+      </p:grpSpPr>
       <p:grpSp>
         <p:nvGrpSpPr>
           <p:cNvPr id="35" name="그룹 34"/>
@@ -9131,7 +9498,7 @@
 </p:sld>
 </file>
 
-<file path=ppt/slides/slide11.xml><?xml version="1.0" encoding="utf-8"?>
+<file path=ppt/slides/slide12.xml><?xml version="1.0" encoding="utf-8"?>
 <p:sld xmlns:a="http://schemas.openxmlformats.org/drawingml/2006/main" xmlns:r="http://schemas.openxmlformats.org/officeDocument/2006/relationships" xmlns:p="http://schemas.openxmlformats.org/presentationml/2006/main">
   <p:cSld>
     <p:spTree>
@@ -9519,7 +9886,7 @@
 </p:sld>
 </file>
 
-<file path=ppt/slides/slide12.xml><?xml version="1.0" encoding="utf-8"?>
+<file path=ppt/slides/slide13.xml><?xml version="1.0" encoding="utf-8"?>
 <p:sld xmlns:a="http://schemas.openxmlformats.org/drawingml/2006/main" xmlns:r="http://schemas.openxmlformats.org/officeDocument/2006/relationships" xmlns:p="http://schemas.openxmlformats.org/presentationml/2006/main">
   <p:cSld>
     <p:spTree>
@@ -9885,407 +10252,6 @@
 </p:sld>
 </file>
 
-<file path=ppt/slides/slide13.xml><?xml version="1.0" encoding="utf-8"?>
-<p:sld xmlns:a="http://schemas.openxmlformats.org/drawingml/2006/main" xmlns:r="http://schemas.openxmlformats.org/officeDocument/2006/relationships" xmlns:p="http://schemas.openxmlformats.org/presentationml/2006/main">
-  <p:cSld>
-    <p:spTree>
-      <p:nvGrpSpPr>
-        <p:cNvPr id="1" name=""/>
-        <p:cNvGrpSpPr/>
-        <p:nvPr/>
-      </p:nvGrpSpPr>
-      <p:grpSpPr>
-        <a:xfrm>
-          <a:off x="0" y="0"/>
-          <a:ext cx="0" cy="0"/>
-          <a:chOff x="0" y="0"/>
-          <a:chExt cx="0" cy="0"/>
-        </a:xfrm>
-      </p:grpSpPr>
-      <p:grpSp>
-        <p:nvGrpSpPr>
-          <p:cNvPr id="35" name="그룹 34"/>
-          <p:cNvGrpSpPr/>
-          <p:nvPr/>
-        </p:nvGrpSpPr>
-        <p:grpSpPr>
-          <a:xfrm>
-            <a:off x="0" y="441033"/>
-            <a:ext cx="9144000" cy="6380205"/>
-            <a:chOff x="0" y="477795"/>
-            <a:chExt cx="9144000" cy="6380205"/>
-          </a:xfrm>
-        </p:grpSpPr>
-        <p:sp>
-          <p:nvSpPr>
-            <p:cNvPr id="3" name="직사각형 2"/>
-            <p:cNvSpPr/>
-            <p:nvPr/>
-          </p:nvSpPr>
-          <p:spPr>
-            <a:xfrm>
-              <a:off x="0" y="477795"/>
-              <a:ext cx="9144000" cy="6380205"/>
-            </a:xfrm>
-            <a:prstGeom prst="rect">
-              <a:avLst/>
-            </a:prstGeom>
-            <a:solidFill>
-              <a:srgbClr val="94C3BB"/>
-            </a:solidFill>
-            <a:ln>
-              <a:noFill/>
-            </a:ln>
-          </p:spPr>
-          <p:style>
-            <a:lnRef idx="2">
-              <a:schemeClr val="accent1">
-                <a:shade val="50000"/>
-              </a:schemeClr>
-            </a:lnRef>
-            <a:fillRef idx="1">
-              <a:schemeClr val="accent1"/>
-            </a:fillRef>
-            <a:effectRef idx="0">
-              <a:schemeClr val="accent1"/>
-            </a:effectRef>
-            <a:fontRef idx="minor">
-              <a:schemeClr val="lt1"/>
-            </a:fontRef>
-          </p:style>
-          <p:txBody>
-            <a:bodyPr rtlCol="0" anchor="ctr"/>
-            <a:lstStyle/>
-            <a:p>
-              <a:pPr algn="ctr"/>
-              <a:endParaRPr lang="ko-KR" altLang="en-US">
-                <a:solidFill>
-                  <a:prstClr val="white"/>
-                </a:solidFill>
-              </a:endParaRPr>
-            </a:p>
-          </p:txBody>
-        </p:sp>
-        <p:sp>
-          <p:nvSpPr>
-            <p:cNvPr id="6" name="직사각형 5"/>
-            <p:cNvSpPr/>
-            <p:nvPr/>
-          </p:nvSpPr>
-          <p:spPr>
-            <a:xfrm>
-              <a:off x="57666" y="557150"/>
-              <a:ext cx="9020432" cy="6230828"/>
-            </a:xfrm>
-            <a:prstGeom prst="rect">
-              <a:avLst/>
-            </a:prstGeom>
-            <a:solidFill>
-              <a:schemeClr val="bg1"/>
-            </a:solidFill>
-            <a:ln>
-              <a:noFill/>
-            </a:ln>
-          </p:spPr>
-          <p:style>
-            <a:lnRef idx="2">
-              <a:schemeClr val="accent1">
-                <a:shade val="50000"/>
-              </a:schemeClr>
-            </a:lnRef>
-            <a:fillRef idx="1">
-              <a:schemeClr val="accent1"/>
-            </a:fillRef>
-            <a:effectRef idx="0">
-              <a:schemeClr val="accent1"/>
-            </a:effectRef>
-            <a:fontRef idx="minor">
-              <a:schemeClr val="lt1"/>
-            </a:fontRef>
-          </p:style>
-          <p:txBody>
-            <a:bodyPr rtlCol="0" anchor="ctr"/>
-            <a:lstStyle/>
-            <a:p>
-              <a:pPr algn="ctr"/>
-              <a:endParaRPr lang="ko-KR" altLang="en-US" dirty="0">
-                <a:solidFill>
-                  <a:srgbClr val="EEECE1">
-                    <a:lumMod val="50000"/>
-                  </a:srgbClr>
-                </a:solidFill>
-              </a:endParaRPr>
-            </a:p>
-          </p:txBody>
-        </p:sp>
-      </p:grpSp>
-      <p:sp>
-        <p:nvSpPr>
-          <p:cNvPr id="36" name="직사각형 35"/>
-          <p:cNvSpPr/>
-          <p:nvPr/>
-        </p:nvSpPr>
-        <p:spPr>
-          <a:xfrm>
-            <a:off x="7850659" y="65903"/>
-            <a:ext cx="1293341" cy="341870"/>
-          </a:xfrm>
-          <a:prstGeom prst="rect">
-            <a:avLst/>
-          </a:prstGeom>
-          <a:solidFill>
-            <a:srgbClr val="FDBBC1"/>
-          </a:solidFill>
-          <a:ln>
-            <a:noFill/>
-          </a:ln>
-        </p:spPr>
-        <p:style>
-          <a:lnRef idx="2">
-            <a:schemeClr val="accent1">
-              <a:shade val="50000"/>
-            </a:schemeClr>
-          </a:lnRef>
-          <a:fillRef idx="1">
-            <a:schemeClr val="accent1"/>
-          </a:fillRef>
-          <a:effectRef idx="0">
-            <a:schemeClr val="accent1"/>
-          </a:effectRef>
-          <a:fontRef idx="minor">
-            <a:schemeClr val="lt1"/>
-          </a:fontRef>
-        </p:style>
-        <p:txBody>
-          <a:bodyPr rtlCol="0" anchor="ctr"/>
-          <a:lstStyle/>
-          <a:p>
-            <a:pPr algn="ctr"/>
-            <a:r>
-              <a:rPr lang="en-US" altLang="ko-KR" sz="2400" dirty="0">
-                <a:solidFill>
-                  <a:prstClr val="white"/>
-                </a:solidFill>
-                <a:latin typeface="타이포_스톰 B" panose="02020503020101020101" pitchFamily="18" charset="-127"/>
-                <a:ea typeface="타이포_스톰 B" panose="02020503020101020101" pitchFamily="18" charset="-127"/>
-              </a:rPr>
-              <a:t>WEB</a:t>
-            </a:r>
-            <a:endParaRPr lang="ko-KR" altLang="en-US" sz="2400" dirty="0">
-              <a:solidFill>
-                <a:prstClr val="white"/>
-              </a:solidFill>
-              <a:latin typeface="타이포_스톰 B" panose="02020503020101020101" pitchFamily="18" charset="-127"/>
-              <a:ea typeface="타이포_스톰 B" panose="02020503020101020101" pitchFamily="18" charset="-127"/>
-            </a:endParaRPr>
-          </a:p>
-        </p:txBody>
-      </p:sp>
-      <p:sp>
-        <p:nvSpPr>
-          <p:cNvPr id="10" name="직사각형 9"/>
-          <p:cNvSpPr/>
-          <p:nvPr/>
-        </p:nvSpPr>
-        <p:spPr>
-          <a:xfrm>
-            <a:off x="0" y="65903"/>
-            <a:ext cx="6260758" cy="339258"/>
-          </a:xfrm>
-          <a:prstGeom prst="rect">
-            <a:avLst/>
-          </a:prstGeom>
-          <a:solidFill>
-            <a:srgbClr val="FDBBC1"/>
-          </a:solidFill>
-          <a:ln>
-            <a:noFill/>
-          </a:ln>
-        </p:spPr>
-        <p:style>
-          <a:lnRef idx="2">
-            <a:schemeClr val="accent1">
-              <a:shade val="50000"/>
-            </a:schemeClr>
-          </a:lnRef>
-          <a:fillRef idx="1">
-            <a:schemeClr val="accent1"/>
-          </a:fillRef>
-          <a:effectRef idx="0">
-            <a:schemeClr val="accent1"/>
-          </a:effectRef>
-          <a:fontRef idx="minor">
-            <a:schemeClr val="lt1"/>
-          </a:fontRef>
-        </p:style>
-        <p:txBody>
-          <a:bodyPr rtlCol="0" anchor="ctr"/>
-          <a:lstStyle/>
-          <a:p>
-            <a:r>
-              <a:rPr lang="en-US" altLang="ko-KR" sz="2000" dirty="0" smtClean="0">
-                <a:solidFill>
-                  <a:prstClr val="black">
-                    <a:lumMod val="75000"/>
-                    <a:lumOff val="25000"/>
-                  </a:prstClr>
-                </a:solidFill>
-                <a:latin typeface="타이포_스톰 B" panose="02020503020101020101" pitchFamily="18" charset="-127"/>
-                <a:ea typeface="타이포_스톰 B" panose="02020503020101020101" pitchFamily="18" charset="-127"/>
-              </a:rPr>
-              <a:t>[</a:t>
-            </a:r>
-            <a:r>
-              <a:rPr lang="ko-KR" altLang="en-US" sz="2000" dirty="0" smtClean="0">
-                <a:solidFill>
-                  <a:prstClr val="black">
-                    <a:lumMod val="75000"/>
-                    <a:lumOff val="25000"/>
-                  </a:prstClr>
-                </a:solidFill>
-                <a:latin typeface="타이포_스톰 B" panose="02020503020101020101" pitchFamily="18" charset="-127"/>
-                <a:ea typeface="타이포_스톰 B" panose="02020503020101020101" pitchFamily="18" charset="-127"/>
-              </a:rPr>
-              <a:t>화면구현</a:t>
-            </a:r>
-            <a:r>
-              <a:rPr lang="en-US" altLang="ko-KR" sz="2000" dirty="0" smtClean="0">
-                <a:solidFill>
-                  <a:prstClr val="black">
-                    <a:lumMod val="75000"/>
-                    <a:lumOff val="25000"/>
-                  </a:prstClr>
-                </a:solidFill>
-                <a:latin typeface="타이포_스톰 B" panose="02020503020101020101" pitchFamily="18" charset="-127"/>
-                <a:ea typeface="타이포_스톰 B" panose="02020503020101020101" pitchFamily="18" charset="-127"/>
-              </a:rPr>
-              <a:t>] </a:t>
-            </a:r>
-            <a:r>
-              <a:rPr lang="ko-KR" altLang="en-US" sz="2000" dirty="0" err="1" smtClean="0">
-                <a:solidFill>
-                  <a:prstClr val="black">
-                    <a:lumMod val="75000"/>
-                    <a:lumOff val="25000"/>
-                  </a:prstClr>
-                </a:solidFill>
-                <a:latin typeface="타이포_스톰 B" panose="02020503020101020101" pitchFamily="18" charset="-127"/>
-                <a:ea typeface="타이포_스톰 B" panose="02020503020101020101" pitchFamily="18" charset="-127"/>
-              </a:rPr>
-              <a:t>리스크</a:t>
-            </a:r>
-            <a:r>
-              <a:rPr lang="ko-KR" altLang="en-US" sz="2000" dirty="0" smtClean="0">
-                <a:solidFill>
-                  <a:prstClr val="black">
-                    <a:lumMod val="75000"/>
-                    <a:lumOff val="25000"/>
-                  </a:prstClr>
-                </a:solidFill>
-                <a:latin typeface="타이포_스톰 B" panose="02020503020101020101" pitchFamily="18" charset="-127"/>
-                <a:ea typeface="타이포_스톰 B" panose="02020503020101020101" pitchFamily="18" charset="-127"/>
-              </a:rPr>
-              <a:t> 관리 </a:t>
-            </a:r>
-            <a:r>
-              <a:rPr lang="en-US" altLang="ko-KR" sz="2000" dirty="0" smtClean="0">
-                <a:solidFill>
-                  <a:prstClr val="black">
-                    <a:lumMod val="75000"/>
-                    <a:lumOff val="25000"/>
-                  </a:prstClr>
-                </a:solidFill>
-                <a:latin typeface="타이포_스톰 B" panose="02020503020101020101" pitchFamily="18" charset="-127"/>
-                <a:ea typeface="타이포_스톰 B" panose="02020503020101020101" pitchFamily="18" charset="-127"/>
-              </a:rPr>
-              <a:t>- </a:t>
-            </a:r>
-            <a:r>
-              <a:rPr lang="ko-KR" altLang="en-US" sz="2000" dirty="0" smtClean="0">
-                <a:solidFill>
-                  <a:prstClr val="black">
-                    <a:lumMod val="75000"/>
-                    <a:lumOff val="25000"/>
-                  </a:prstClr>
-                </a:solidFill>
-                <a:latin typeface="타이포_스톰 B" panose="02020503020101020101" pitchFamily="18" charset="-127"/>
-                <a:ea typeface="타이포_스톰 B" panose="02020503020101020101" pitchFamily="18" charset="-127"/>
-              </a:rPr>
-              <a:t>이슈리스트</a:t>
-            </a:r>
-            <a:endParaRPr lang="ko-KR" altLang="en-US" sz="2000" dirty="0">
-              <a:solidFill>
-                <a:prstClr val="black">
-                  <a:lumMod val="75000"/>
-                  <a:lumOff val="25000"/>
-                </a:prstClr>
-              </a:solidFill>
-              <a:latin typeface="타이포_스톰 B" panose="02020503020101020101" pitchFamily="18" charset="-127"/>
-              <a:ea typeface="타이포_스톰 B" panose="02020503020101020101" pitchFamily="18" charset="-127"/>
-            </a:endParaRPr>
-          </a:p>
-        </p:txBody>
-      </p:sp>
-      <p:pic>
-        <p:nvPicPr>
-          <p:cNvPr id="4098" name="Picture 2"/>
-          <p:cNvPicPr>
-            <a:picLocks noChangeAspect="1" noChangeArrowheads="1"/>
-          </p:cNvPicPr>
-          <p:nvPr/>
-        </p:nvPicPr>
-        <p:blipFill>
-          <a:blip r:embed="rId2">
-            <a:extLst>
-              <a:ext uri="{28A0092B-C50C-407E-A947-70E740481C1C}">
-                <a14:useLocalDpi xmlns:a14="http://schemas.microsoft.com/office/drawing/2010/main" val="0"/>
-              </a:ext>
-            </a:extLst>
-          </a:blip>
-          <a:stretch>
-            <a:fillRect/>
-          </a:stretch>
-        </p:blipFill>
-        <p:spPr bwMode="auto">
-          <a:xfrm>
-            <a:off x="59784" y="800065"/>
-            <a:ext cx="8963658" cy="2723064"/>
-          </a:xfrm>
-          <a:prstGeom prst="rect">
-            <a:avLst/>
-          </a:prstGeom>
-          <a:noFill/>
-          <a:extLst>
-            <a:ext uri="{909E8E84-426E-40DD-AFC4-6F175D3DCCD1}">
-              <a14:hiddenFill xmlns:a14="http://schemas.microsoft.com/office/drawing/2010/main">
-                <a:solidFill>
-                  <a:srgbClr val="FFFFFF"/>
-                </a:solidFill>
-              </a14:hiddenFill>
-            </a:ext>
-          </a:extLst>
-        </p:spPr>
-      </p:pic>
-    </p:spTree>
-    <p:extLst>
-      <p:ext uri="{BB962C8B-B14F-4D97-AF65-F5344CB8AC3E}">
-        <p14:creationId xmlns:p14="http://schemas.microsoft.com/office/powerpoint/2010/main" val="4138591518"/>
-      </p:ext>
-    </p:extLst>
-  </p:cSld>
-  <p:clrMapOvr>
-    <a:masterClrMapping/>
-  </p:clrMapOvr>
-  <p:timing>
-    <p:tnLst>
-      <p:par>
-        <p:cTn id="1" dur="indefinite" restart="never" nodeType="tmRoot"/>
-      </p:par>
-    </p:tnLst>
-  </p:timing>
-</p:sld>
-</file>
-
 <file path=ppt/slides/slide14.xml><?xml version="1.0" encoding="utf-8"?>
 <p:sld xmlns:a="http://schemas.openxmlformats.org/drawingml/2006/main" xmlns:r="http://schemas.openxmlformats.org/officeDocument/2006/relationships" xmlns:p="http://schemas.openxmlformats.org/presentationml/2006/main">
   <p:cSld>
@@ -10612,7 +10578,7 @@
                 <a:latin typeface="타이포_스톰 B" panose="02020503020101020101" pitchFamily="18" charset="-127"/>
                 <a:ea typeface="타이포_스톰 B" panose="02020503020101020101" pitchFamily="18" charset="-127"/>
               </a:rPr>
-              <a:t>상세</a:t>
+              <a:t>이슈리스트</a:t>
             </a:r>
             <a:endParaRPr lang="ko-KR" altLang="en-US" sz="2000" dirty="0">
               <a:solidFill>
@@ -10629,7 +10595,7 @@
       </p:sp>
       <p:pic>
         <p:nvPicPr>
-          <p:cNvPr id="8194" name="Picture 2"/>
+          <p:cNvPr id="4098" name="Picture 2"/>
           <p:cNvPicPr>
             <a:picLocks noChangeAspect="1" noChangeArrowheads="1"/>
           </p:cNvPicPr>
@@ -10649,8 +10615,8 @@
         </p:blipFill>
         <p:spPr bwMode="auto">
           <a:xfrm>
-            <a:off x="355600" y="819509"/>
-            <a:ext cx="8597900" cy="4076722"/>
+            <a:off x="59784" y="800065"/>
+            <a:ext cx="8963658" cy="2723064"/>
           </a:xfrm>
           <a:prstGeom prst="rect">
             <a:avLst/>
@@ -10670,7 +10636,7 @@
     </p:spTree>
     <p:extLst>
       <p:ext uri="{BB962C8B-B14F-4D97-AF65-F5344CB8AC3E}">
-        <p14:creationId xmlns:p14="http://schemas.microsoft.com/office/powerpoint/2010/main" val="2333538500"/>
+        <p14:creationId xmlns:p14="http://schemas.microsoft.com/office/powerpoint/2010/main" val="4138591518"/>
       </p:ext>
     </p:extLst>
   </p:cSld>
@@ -10964,7 +10930,7 @@
               <a:t>] </a:t>
             </a:r>
             <a:r>
-              <a:rPr lang="ko-KR" altLang="en-US" sz="2000" dirty="0" smtClean="0">
+              <a:rPr lang="ko-KR" altLang="en-US" sz="2000" dirty="0" err="1" smtClean="0">
                 <a:solidFill>
                   <a:prstClr val="black">
                     <a:lumMod val="75000"/>
@@ -10974,10 +10940,10 @@
                 <a:latin typeface="타이포_스톰 B" panose="02020503020101020101" pitchFamily="18" charset="-127"/>
                 <a:ea typeface="타이포_스톰 B" panose="02020503020101020101" pitchFamily="18" charset="-127"/>
               </a:rPr>
-              <a:t>업무관리 </a:t>
-            </a:r>
-            <a:r>
-              <a:rPr lang="en-US" altLang="ko-KR" sz="2000" dirty="0" smtClean="0">
+              <a:t>리스크</a:t>
+            </a:r>
+            <a:r>
+              <a:rPr lang="ko-KR" altLang="en-US" sz="2000" dirty="0" smtClean="0">
                 <a:solidFill>
                   <a:prstClr val="black">
                     <a:lumMod val="75000"/>
@@ -10987,10 +10953,10 @@
                 <a:latin typeface="타이포_스톰 B" panose="02020503020101020101" pitchFamily="18" charset="-127"/>
                 <a:ea typeface="타이포_스톰 B" panose="02020503020101020101" pitchFamily="18" charset="-127"/>
               </a:rPr>
-              <a:t>- </a:t>
-            </a:r>
-            <a:r>
-              <a:rPr lang="ko-KR" altLang="en-US" sz="2000" dirty="0" smtClean="0">
+              <a:t> 관리 </a:t>
+            </a:r>
+            <a:r>
+              <a:rPr lang="en-US" altLang="ko-KR" sz="2000" dirty="0" smtClean="0">
                 <a:solidFill>
                   <a:prstClr val="black">
                     <a:lumMod val="75000"/>
@@ -11000,7 +10966,20 @@
                 <a:latin typeface="타이포_스톰 B" panose="02020503020101020101" pitchFamily="18" charset="-127"/>
                 <a:ea typeface="타이포_스톰 B" panose="02020503020101020101" pitchFamily="18" charset="-127"/>
               </a:rPr>
-              <a:t>리스트</a:t>
+              <a:t>- </a:t>
+            </a:r>
+            <a:r>
+              <a:rPr lang="ko-KR" altLang="en-US" sz="2000" dirty="0" smtClean="0">
+                <a:solidFill>
+                  <a:prstClr val="black">
+                    <a:lumMod val="75000"/>
+                    <a:lumOff val="25000"/>
+                  </a:prstClr>
+                </a:solidFill>
+                <a:latin typeface="타이포_스톰 B" panose="02020503020101020101" pitchFamily="18" charset="-127"/>
+                <a:ea typeface="타이포_스톰 B" panose="02020503020101020101" pitchFamily="18" charset="-127"/>
+              </a:rPr>
+              <a:t>상세</a:t>
             </a:r>
             <a:endParaRPr lang="ko-KR" altLang="en-US" sz="2000" dirty="0">
               <a:solidFill>
@@ -11017,7 +10996,7 @@
       </p:sp>
       <p:pic>
         <p:nvPicPr>
-          <p:cNvPr id="1026" name="Picture 2"/>
+          <p:cNvPr id="8194" name="Picture 2"/>
           <p:cNvPicPr>
             <a:picLocks noChangeAspect="1" noChangeArrowheads="1"/>
           </p:cNvPicPr>
@@ -11037,8 +11016,8 @@
         </p:blipFill>
         <p:spPr bwMode="auto">
           <a:xfrm>
-            <a:off x="171278" y="864557"/>
-            <a:ext cx="8793208" cy="3019387"/>
+            <a:off x="355600" y="819509"/>
+            <a:ext cx="8597900" cy="4076722"/>
           </a:xfrm>
           <a:prstGeom prst="rect">
             <a:avLst/>
@@ -11058,7 +11037,7 @@
     </p:spTree>
     <p:extLst>
       <p:ext uri="{BB962C8B-B14F-4D97-AF65-F5344CB8AC3E}">
-        <p14:creationId xmlns:p14="http://schemas.microsoft.com/office/powerpoint/2010/main" val="1243676219"/>
+        <p14:creationId xmlns:p14="http://schemas.microsoft.com/office/powerpoint/2010/main" val="2333538500"/>
       </p:ext>
     </p:extLst>
   </p:cSld>
@@ -11388,7 +11367,7 @@
                 <a:latin typeface="타이포_스톰 B" panose="02020503020101020101" pitchFamily="18" charset="-127"/>
                 <a:ea typeface="타이포_스톰 B" panose="02020503020101020101" pitchFamily="18" charset="-127"/>
               </a:rPr>
-              <a:t>상세</a:t>
+              <a:t>리스트</a:t>
             </a:r>
             <a:endParaRPr lang="ko-KR" altLang="en-US" sz="2000" dirty="0">
               <a:solidFill>
@@ -11405,7 +11384,7 @@
       </p:sp>
       <p:pic>
         <p:nvPicPr>
-          <p:cNvPr id="2050" name="Picture 2"/>
+          <p:cNvPr id="1026" name="Picture 2"/>
           <p:cNvPicPr>
             <a:picLocks noChangeAspect="1" noChangeArrowheads="1"/>
           </p:cNvPicPr>
@@ -11425,8 +11404,8 @@
         </p:blipFill>
         <p:spPr bwMode="auto">
           <a:xfrm>
-            <a:off x="57666" y="520387"/>
-            <a:ext cx="9020432" cy="5402611"/>
+            <a:off x="171278" y="864557"/>
+            <a:ext cx="8793208" cy="3019387"/>
           </a:xfrm>
           <a:prstGeom prst="rect">
             <a:avLst/>
@@ -11446,7 +11425,7 @@
     </p:spTree>
     <p:extLst>
       <p:ext uri="{BB962C8B-B14F-4D97-AF65-F5344CB8AC3E}">
-        <p14:creationId xmlns:p14="http://schemas.microsoft.com/office/powerpoint/2010/main" val="3461522852"/>
+        <p14:creationId xmlns:p14="http://schemas.microsoft.com/office/powerpoint/2010/main" val="1243676219"/>
       </p:ext>
     </p:extLst>
   </p:cSld>
@@ -11588,7 +11567,7 @@
               <a:pPr algn="ctr"/>
               <a:endParaRPr lang="ko-KR" altLang="en-US" dirty="0">
                 <a:solidFill>
-                  <a:srgbClr val="E7E6E6">
+                  <a:srgbClr val="EEECE1">
                     <a:lumMod val="50000"/>
                   </a:srgbClr>
                 </a:solidFill>
@@ -11750,7 +11729,7 @@
                 <a:latin typeface="타이포_스톰 B" panose="02020503020101020101" pitchFamily="18" charset="-127"/>
                 <a:ea typeface="타이포_스톰 B" panose="02020503020101020101" pitchFamily="18" charset="-127"/>
               </a:rPr>
-              <a:t>의사소통관리 </a:t>
+              <a:t>업무관리 </a:t>
             </a:r>
             <a:r>
               <a:rPr lang="en-US" altLang="ko-KR" sz="2000" dirty="0" smtClean="0">
@@ -11776,20 +11755,7 @@
                 <a:latin typeface="타이포_스톰 B" panose="02020503020101020101" pitchFamily="18" charset="-127"/>
                 <a:ea typeface="타이포_스톰 B" panose="02020503020101020101" pitchFamily="18" charset="-127"/>
               </a:rPr>
-              <a:t>공지사항</a:t>
-            </a:r>
-            <a:r>
-              <a:rPr lang="en-US" altLang="ko-KR" sz="2000" dirty="0" smtClean="0">
-                <a:solidFill>
-                  <a:prstClr val="black">
-                    <a:lumMod val="75000"/>
-                    <a:lumOff val="25000"/>
-                  </a:prstClr>
-                </a:solidFill>
-                <a:latin typeface="타이포_스톰 B" panose="02020503020101020101" pitchFamily="18" charset="-127"/>
-                <a:ea typeface="타이포_스톰 B" panose="02020503020101020101" pitchFamily="18" charset="-127"/>
-              </a:rPr>
-              <a:t> </a:t>
+              <a:t>상세</a:t>
             </a:r>
             <a:endParaRPr lang="ko-KR" altLang="en-US" sz="2000" dirty="0">
               <a:solidFill>
@@ -11806,9 +11772,9 @@
       </p:sp>
       <p:pic>
         <p:nvPicPr>
-          <p:cNvPr id="7" name="그림 6"/>
+          <p:cNvPr id="2050" name="Picture 2"/>
           <p:cNvPicPr>
-            <a:picLocks noChangeAspect="1"/>
+            <a:picLocks noChangeAspect="1" noChangeArrowheads="1"/>
           </p:cNvPicPr>
           <p:nvPr/>
         </p:nvPicPr>
@@ -11824,20 +11790,30 @@
             <a:fillRect/>
           </a:stretch>
         </p:blipFill>
-        <p:spPr>
+        <p:spPr bwMode="auto">
           <a:xfrm>
-            <a:off x="104110" y="520388"/>
-            <a:ext cx="8973987" cy="3256597"/>
+            <a:off x="57666" y="520387"/>
+            <a:ext cx="9020432" cy="5402611"/>
           </a:xfrm>
           <a:prstGeom prst="rect">
             <a:avLst/>
           </a:prstGeom>
+          <a:noFill/>
+          <a:extLst>
+            <a:ext uri="{909E8E84-426E-40DD-AFC4-6F175D3DCCD1}">
+              <a14:hiddenFill xmlns:a14="http://schemas.microsoft.com/office/drawing/2010/main">
+                <a:solidFill>
+                  <a:srgbClr val="FFFFFF"/>
+                </a:solidFill>
+              </a14:hiddenFill>
+            </a:ext>
+          </a:extLst>
         </p:spPr>
       </p:pic>
     </p:spTree>
     <p:extLst>
       <p:ext uri="{BB962C8B-B14F-4D97-AF65-F5344CB8AC3E}">
-        <p14:creationId xmlns:p14="http://schemas.microsoft.com/office/powerpoint/2010/main" val="1059850281"/>
+        <p14:creationId xmlns:p14="http://schemas.microsoft.com/office/powerpoint/2010/main" val="3461522852"/>
       </p:ext>
     </p:extLst>
   </p:cSld>
@@ -12197,6 +12173,397 @@
       </p:sp>
       <p:pic>
         <p:nvPicPr>
+          <p:cNvPr id="7" name="그림 6"/>
+          <p:cNvPicPr>
+            <a:picLocks noChangeAspect="1"/>
+          </p:cNvPicPr>
+          <p:nvPr/>
+        </p:nvPicPr>
+        <p:blipFill>
+          <a:blip r:embed="rId2">
+            <a:extLst>
+              <a:ext uri="{28A0092B-C50C-407E-A947-70E740481C1C}">
+                <a14:useLocalDpi xmlns:a14="http://schemas.microsoft.com/office/drawing/2010/main" val="0"/>
+              </a:ext>
+            </a:extLst>
+          </a:blip>
+          <a:stretch>
+            <a:fillRect/>
+          </a:stretch>
+        </p:blipFill>
+        <p:spPr>
+          <a:xfrm>
+            <a:off x="104110" y="520388"/>
+            <a:ext cx="8973987" cy="3256597"/>
+          </a:xfrm>
+          <a:prstGeom prst="rect">
+            <a:avLst/>
+          </a:prstGeom>
+        </p:spPr>
+      </p:pic>
+    </p:spTree>
+    <p:extLst>
+      <p:ext uri="{BB962C8B-B14F-4D97-AF65-F5344CB8AC3E}">
+        <p14:creationId xmlns:p14="http://schemas.microsoft.com/office/powerpoint/2010/main" val="1059850281"/>
+      </p:ext>
+    </p:extLst>
+  </p:cSld>
+  <p:clrMapOvr>
+    <a:masterClrMapping/>
+  </p:clrMapOvr>
+  <p:timing>
+    <p:tnLst>
+      <p:par>
+        <p:cTn id="1" dur="indefinite" restart="never" nodeType="tmRoot"/>
+      </p:par>
+    </p:tnLst>
+  </p:timing>
+</p:sld>
+</file>
+
+<file path=ppt/slides/slide19.xml><?xml version="1.0" encoding="utf-8"?>
+<p:sld xmlns:a="http://schemas.openxmlformats.org/drawingml/2006/main" xmlns:r="http://schemas.openxmlformats.org/officeDocument/2006/relationships" xmlns:p="http://schemas.openxmlformats.org/presentationml/2006/main">
+  <p:cSld>
+    <p:spTree>
+      <p:nvGrpSpPr>
+        <p:cNvPr id="1" name=""/>
+        <p:cNvGrpSpPr/>
+        <p:nvPr/>
+      </p:nvGrpSpPr>
+      <p:grpSpPr>
+        <a:xfrm>
+          <a:off x="0" y="0"/>
+          <a:ext cx="0" cy="0"/>
+          <a:chOff x="0" y="0"/>
+          <a:chExt cx="0" cy="0"/>
+        </a:xfrm>
+      </p:grpSpPr>
+      <p:grpSp>
+        <p:nvGrpSpPr>
+          <p:cNvPr id="35" name="그룹 34"/>
+          <p:cNvGrpSpPr/>
+          <p:nvPr/>
+        </p:nvGrpSpPr>
+        <p:grpSpPr>
+          <a:xfrm>
+            <a:off x="0" y="441033"/>
+            <a:ext cx="9144000" cy="6380205"/>
+            <a:chOff x="0" y="477795"/>
+            <a:chExt cx="9144000" cy="6380205"/>
+          </a:xfrm>
+        </p:grpSpPr>
+        <p:sp>
+          <p:nvSpPr>
+            <p:cNvPr id="3" name="직사각형 2"/>
+            <p:cNvSpPr/>
+            <p:nvPr/>
+          </p:nvSpPr>
+          <p:spPr>
+            <a:xfrm>
+              <a:off x="0" y="477795"/>
+              <a:ext cx="9144000" cy="6380205"/>
+            </a:xfrm>
+            <a:prstGeom prst="rect">
+              <a:avLst/>
+            </a:prstGeom>
+            <a:solidFill>
+              <a:srgbClr val="94C3BB"/>
+            </a:solidFill>
+            <a:ln>
+              <a:noFill/>
+            </a:ln>
+          </p:spPr>
+          <p:style>
+            <a:lnRef idx="2">
+              <a:schemeClr val="accent1">
+                <a:shade val="50000"/>
+              </a:schemeClr>
+            </a:lnRef>
+            <a:fillRef idx="1">
+              <a:schemeClr val="accent1"/>
+            </a:fillRef>
+            <a:effectRef idx="0">
+              <a:schemeClr val="accent1"/>
+            </a:effectRef>
+            <a:fontRef idx="minor">
+              <a:schemeClr val="lt1"/>
+            </a:fontRef>
+          </p:style>
+          <p:txBody>
+            <a:bodyPr rtlCol="0" anchor="ctr"/>
+            <a:lstStyle/>
+            <a:p>
+              <a:pPr algn="ctr"/>
+              <a:endParaRPr lang="ko-KR" altLang="en-US">
+                <a:solidFill>
+                  <a:prstClr val="white"/>
+                </a:solidFill>
+              </a:endParaRPr>
+            </a:p>
+          </p:txBody>
+        </p:sp>
+        <p:sp>
+          <p:nvSpPr>
+            <p:cNvPr id="6" name="직사각형 5"/>
+            <p:cNvSpPr/>
+            <p:nvPr/>
+          </p:nvSpPr>
+          <p:spPr>
+            <a:xfrm>
+              <a:off x="57666" y="557150"/>
+              <a:ext cx="9020432" cy="6230828"/>
+            </a:xfrm>
+            <a:prstGeom prst="rect">
+              <a:avLst/>
+            </a:prstGeom>
+            <a:solidFill>
+              <a:schemeClr val="bg1"/>
+            </a:solidFill>
+            <a:ln>
+              <a:noFill/>
+            </a:ln>
+          </p:spPr>
+          <p:style>
+            <a:lnRef idx="2">
+              <a:schemeClr val="accent1">
+                <a:shade val="50000"/>
+              </a:schemeClr>
+            </a:lnRef>
+            <a:fillRef idx="1">
+              <a:schemeClr val="accent1"/>
+            </a:fillRef>
+            <a:effectRef idx="0">
+              <a:schemeClr val="accent1"/>
+            </a:effectRef>
+            <a:fontRef idx="minor">
+              <a:schemeClr val="lt1"/>
+            </a:fontRef>
+          </p:style>
+          <p:txBody>
+            <a:bodyPr rtlCol="0" anchor="ctr"/>
+            <a:lstStyle/>
+            <a:p>
+              <a:pPr algn="ctr"/>
+              <a:endParaRPr lang="ko-KR" altLang="en-US" dirty="0">
+                <a:solidFill>
+                  <a:srgbClr val="E7E6E6">
+                    <a:lumMod val="50000"/>
+                  </a:srgbClr>
+                </a:solidFill>
+              </a:endParaRPr>
+            </a:p>
+          </p:txBody>
+        </p:sp>
+      </p:grpSp>
+      <p:sp>
+        <p:nvSpPr>
+          <p:cNvPr id="36" name="직사각형 35"/>
+          <p:cNvSpPr/>
+          <p:nvPr/>
+        </p:nvSpPr>
+        <p:spPr>
+          <a:xfrm>
+            <a:off x="7850659" y="65903"/>
+            <a:ext cx="1293341" cy="341870"/>
+          </a:xfrm>
+          <a:prstGeom prst="rect">
+            <a:avLst/>
+          </a:prstGeom>
+          <a:solidFill>
+            <a:srgbClr val="FDBBC1"/>
+          </a:solidFill>
+          <a:ln>
+            <a:noFill/>
+          </a:ln>
+        </p:spPr>
+        <p:style>
+          <a:lnRef idx="2">
+            <a:schemeClr val="accent1">
+              <a:shade val="50000"/>
+            </a:schemeClr>
+          </a:lnRef>
+          <a:fillRef idx="1">
+            <a:schemeClr val="accent1"/>
+          </a:fillRef>
+          <a:effectRef idx="0">
+            <a:schemeClr val="accent1"/>
+          </a:effectRef>
+          <a:fontRef idx="minor">
+            <a:schemeClr val="lt1"/>
+          </a:fontRef>
+        </p:style>
+        <p:txBody>
+          <a:bodyPr rtlCol="0" anchor="ctr"/>
+          <a:lstStyle/>
+          <a:p>
+            <a:pPr algn="ctr"/>
+            <a:r>
+              <a:rPr lang="en-US" altLang="ko-KR" sz="2400" dirty="0">
+                <a:solidFill>
+                  <a:prstClr val="white"/>
+                </a:solidFill>
+                <a:latin typeface="타이포_스톰 B" panose="02020503020101020101" pitchFamily="18" charset="-127"/>
+                <a:ea typeface="타이포_스톰 B" panose="02020503020101020101" pitchFamily="18" charset="-127"/>
+              </a:rPr>
+              <a:t>WEB</a:t>
+            </a:r>
+            <a:endParaRPr lang="ko-KR" altLang="en-US" sz="2400" dirty="0">
+              <a:solidFill>
+                <a:prstClr val="white"/>
+              </a:solidFill>
+              <a:latin typeface="타이포_스톰 B" panose="02020503020101020101" pitchFamily="18" charset="-127"/>
+              <a:ea typeface="타이포_스톰 B" panose="02020503020101020101" pitchFamily="18" charset="-127"/>
+            </a:endParaRPr>
+          </a:p>
+        </p:txBody>
+      </p:sp>
+      <p:sp>
+        <p:nvSpPr>
+          <p:cNvPr id="10" name="직사각형 9"/>
+          <p:cNvSpPr/>
+          <p:nvPr/>
+        </p:nvSpPr>
+        <p:spPr>
+          <a:xfrm>
+            <a:off x="0" y="65903"/>
+            <a:ext cx="6260758" cy="339258"/>
+          </a:xfrm>
+          <a:prstGeom prst="rect">
+            <a:avLst/>
+          </a:prstGeom>
+          <a:solidFill>
+            <a:srgbClr val="FDBBC1"/>
+          </a:solidFill>
+          <a:ln>
+            <a:noFill/>
+          </a:ln>
+        </p:spPr>
+        <p:style>
+          <a:lnRef idx="2">
+            <a:schemeClr val="accent1">
+              <a:shade val="50000"/>
+            </a:schemeClr>
+          </a:lnRef>
+          <a:fillRef idx="1">
+            <a:schemeClr val="accent1"/>
+          </a:fillRef>
+          <a:effectRef idx="0">
+            <a:schemeClr val="accent1"/>
+          </a:effectRef>
+          <a:fontRef idx="minor">
+            <a:schemeClr val="lt1"/>
+          </a:fontRef>
+        </p:style>
+        <p:txBody>
+          <a:bodyPr rtlCol="0" anchor="ctr"/>
+          <a:lstStyle/>
+          <a:p>
+            <a:r>
+              <a:rPr lang="en-US" altLang="ko-KR" sz="2000" dirty="0" smtClean="0">
+                <a:solidFill>
+                  <a:prstClr val="black">
+                    <a:lumMod val="75000"/>
+                    <a:lumOff val="25000"/>
+                  </a:prstClr>
+                </a:solidFill>
+                <a:latin typeface="타이포_스톰 B" panose="02020503020101020101" pitchFamily="18" charset="-127"/>
+                <a:ea typeface="타이포_스톰 B" panose="02020503020101020101" pitchFamily="18" charset="-127"/>
+              </a:rPr>
+              <a:t>[</a:t>
+            </a:r>
+            <a:r>
+              <a:rPr lang="ko-KR" altLang="en-US" sz="2000" dirty="0" smtClean="0">
+                <a:solidFill>
+                  <a:prstClr val="black">
+                    <a:lumMod val="75000"/>
+                    <a:lumOff val="25000"/>
+                  </a:prstClr>
+                </a:solidFill>
+                <a:latin typeface="타이포_스톰 B" panose="02020503020101020101" pitchFamily="18" charset="-127"/>
+                <a:ea typeface="타이포_스톰 B" panose="02020503020101020101" pitchFamily="18" charset="-127"/>
+              </a:rPr>
+              <a:t>화면구현</a:t>
+            </a:r>
+            <a:r>
+              <a:rPr lang="en-US" altLang="ko-KR" sz="2000" dirty="0" smtClean="0">
+                <a:solidFill>
+                  <a:prstClr val="black">
+                    <a:lumMod val="75000"/>
+                    <a:lumOff val="25000"/>
+                  </a:prstClr>
+                </a:solidFill>
+                <a:latin typeface="타이포_스톰 B" panose="02020503020101020101" pitchFamily="18" charset="-127"/>
+                <a:ea typeface="타이포_스톰 B" panose="02020503020101020101" pitchFamily="18" charset="-127"/>
+              </a:rPr>
+              <a:t>] </a:t>
+            </a:r>
+            <a:r>
+              <a:rPr lang="ko-KR" altLang="en-US" sz="2000" dirty="0" smtClean="0">
+                <a:solidFill>
+                  <a:prstClr val="black">
+                    <a:lumMod val="75000"/>
+                    <a:lumOff val="25000"/>
+                  </a:prstClr>
+                </a:solidFill>
+                <a:latin typeface="타이포_스톰 B" panose="02020503020101020101" pitchFamily="18" charset="-127"/>
+                <a:ea typeface="타이포_스톰 B" panose="02020503020101020101" pitchFamily="18" charset="-127"/>
+              </a:rPr>
+              <a:t>의사소통관리 </a:t>
+            </a:r>
+            <a:r>
+              <a:rPr lang="en-US" altLang="ko-KR" sz="2000" dirty="0" smtClean="0">
+                <a:solidFill>
+                  <a:prstClr val="black">
+                    <a:lumMod val="75000"/>
+                    <a:lumOff val="25000"/>
+                  </a:prstClr>
+                </a:solidFill>
+                <a:latin typeface="타이포_스톰 B" panose="02020503020101020101" pitchFamily="18" charset="-127"/>
+                <a:ea typeface="타이포_스톰 B" panose="02020503020101020101" pitchFamily="18" charset="-127"/>
+              </a:rPr>
+              <a:t>- </a:t>
+            </a:r>
+            <a:r>
+              <a:rPr lang="ko-KR" altLang="en-US" sz="2000" dirty="0" smtClean="0">
+                <a:solidFill>
+                  <a:prstClr val="black">
+                    <a:lumMod val="75000"/>
+                    <a:lumOff val="25000"/>
+                  </a:prstClr>
+                </a:solidFill>
+                <a:latin typeface="타이포_스톰 B" panose="02020503020101020101" pitchFamily="18" charset="-127"/>
+                <a:ea typeface="타이포_스톰 B" panose="02020503020101020101" pitchFamily="18" charset="-127"/>
+              </a:rPr>
+              <a:t>공지사항</a:t>
+            </a:r>
+            <a:r>
+              <a:rPr lang="en-US" altLang="ko-KR" sz="2000" dirty="0" smtClean="0">
+                <a:solidFill>
+                  <a:prstClr val="black">
+                    <a:lumMod val="75000"/>
+                    <a:lumOff val="25000"/>
+                  </a:prstClr>
+                </a:solidFill>
+                <a:latin typeface="타이포_스톰 B" panose="02020503020101020101" pitchFamily="18" charset="-127"/>
+                <a:ea typeface="타이포_스톰 B" panose="02020503020101020101" pitchFamily="18" charset="-127"/>
+              </a:rPr>
+              <a:t> </a:t>
+            </a:r>
+            <a:endParaRPr lang="ko-KR" altLang="en-US" sz="2000" dirty="0">
+              <a:solidFill>
+                <a:prstClr val="black">
+                  <a:lumMod val="75000"/>
+                  <a:lumOff val="25000"/>
+                </a:prstClr>
+              </a:solidFill>
+              <a:latin typeface="타이포_스톰 B" panose="02020503020101020101" pitchFamily="18" charset="-127"/>
+              <a:ea typeface="타이포_스톰 B" panose="02020503020101020101" pitchFamily="18" charset="-127"/>
+            </a:endParaRPr>
+          </a:p>
+        </p:txBody>
+      </p:sp>
+      <p:pic>
+        <p:nvPicPr>
           <p:cNvPr id="2" name="그림 1"/>
           <p:cNvPicPr>
             <a:picLocks noChangeAspect="1"/>
@@ -12245,7 +12612,349 @@
 </p:sld>
 </file>
 
-<file path=ppt/slides/slide19.xml><?xml version="1.0" encoding="utf-8"?>
+<file path=ppt/slides/slide2.xml><?xml version="1.0" encoding="utf-8"?>
+<p:sld xmlns:a="http://schemas.openxmlformats.org/drawingml/2006/main" xmlns:r="http://schemas.openxmlformats.org/officeDocument/2006/relationships" xmlns:p="http://schemas.openxmlformats.org/presentationml/2006/main">
+  <p:cSld>
+    <p:bg>
+      <p:bgPr>
+        <a:solidFill>
+          <a:srgbClr val="94C3BB"/>
+        </a:solidFill>
+        <a:effectLst/>
+      </p:bgPr>
+    </p:bg>
+    <p:spTree>
+      <p:nvGrpSpPr>
+        <p:cNvPr id="1" name=""/>
+        <p:cNvGrpSpPr/>
+        <p:nvPr/>
+      </p:nvGrpSpPr>
+      <p:grpSpPr>
+        <a:xfrm>
+          <a:off x="0" y="0"/>
+          <a:ext cx="0" cy="0"/>
+          <a:chOff x="0" y="0"/>
+          <a:chExt cx="0" cy="0"/>
+        </a:xfrm>
+      </p:grpSpPr>
+      <p:sp>
+        <p:nvSpPr>
+          <p:cNvPr id="4" name="직사각형 3"/>
+          <p:cNvSpPr/>
+          <p:nvPr/>
+        </p:nvSpPr>
+        <p:spPr>
+          <a:xfrm>
+            <a:off x="0" y="1221968"/>
+            <a:ext cx="9144000" cy="814647"/>
+          </a:xfrm>
+          <a:prstGeom prst="rect">
+            <a:avLst/>
+          </a:prstGeom>
+          <a:solidFill>
+            <a:schemeClr val="bg1"/>
+          </a:solidFill>
+          <a:ln>
+            <a:noFill/>
+          </a:ln>
+        </p:spPr>
+        <p:style>
+          <a:lnRef idx="2">
+            <a:schemeClr val="accent1">
+              <a:shade val="50000"/>
+            </a:schemeClr>
+          </a:lnRef>
+          <a:fillRef idx="1">
+            <a:schemeClr val="accent1"/>
+          </a:fillRef>
+          <a:effectRef idx="0">
+            <a:schemeClr val="accent1"/>
+          </a:effectRef>
+          <a:fontRef idx="minor">
+            <a:schemeClr val="lt1"/>
+          </a:fontRef>
+        </p:style>
+        <p:txBody>
+          <a:bodyPr rtlCol="0" anchor="ctr"/>
+          <a:lstStyle/>
+          <a:p>
+            <a:pPr algn="ctr"/>
+            <a:r>
+              <a:rPr lang="en-US" altLang="ko-KR" sz="3200" dirty="0" smtClean="0">
+                <a:solidFill>
+                  <a:srgbClr val="FDBBC1"/>
+                </a:solidFill>
+                <a:latin typeface="타이포_스톰 B" panose="02020503020101020101" pitchFamily="18" charset="-127"/>
+                <a:ea typeface="타이포_스톰 B" panose="02020503020101020101" pitchFamily="18" charset="-127"/>
+              </a:rPr>
+              <a:t>C</a:t>
+            </a:r>
+            <a:r>
+              <a:rPr lang="en-US" altLang="ko-KR" sz="3200" dirty="0" smtClean="0">
+                <a:solidFill>
+                  <a:srgbClr val="94C3BB"/>
+                </a:solidFill>
+                <a:latin typeface="타이포_스톰 B" panose="02020503020101020101" pitchFamily="18" charset="-127"/>
+                <a:ea typeface="타이포_스톰 B" panose="02020503020101020101" pitchFamily="18" charset="-127"/>
+              </a:rPr>
+              <a:t>ONTENTS</a:t>
+            </a:r>
+            <a:endParaRPr lang="ko-KR" altLang="en-US" sz="3200" dirty="0">
+              <a:solidFill>
+                <a:srgbClr val="94C3BB"/>
+              </a:solidFill>
+              <a:latin typeface="타이포_스톰 B" panose="02020503020101020101" pitchFamily="18" charset="-127"/>
+              <a:ea typeface="타이포_스톰 B" panose="02020503020101020101" pitchFamily="18" charset="-127"/>
+            </a:endParaRPr>
+          </a:p>
+        </p:txBody>
+      </p:sp>
+      <p:sp>
+        <p:nvSpPr>
+          <p:cNvPr id="2" name="TextBox 1"/>
+          <p:cNvSpPr txBox="1"/>
+          <p:nvPr/>
+        </p:nvSpPr>
+        <p:spPr>
+          <a:xfrm>
+            <a:off x="4696690" y="2421867"/>
+            <a:ext cx="3648240" cy="1754326"/>
+          </a:xfrm>
+          <a:prstGeom prst="rect">
+            <a:avLst/>
+          </a:prstGeom>
+          <a:noFill/>
+        </p:spPr>
+        <p:txBody>
+          <a:bodyPr wrap="square" rtlCol="0">
+            <a:spAutoFit/>
+          </a:bodyPr>
+          <a:lstStyle/>
+          <a:p>
+            <a:pPr>
+              <a:lnSpc>
+                <a:spcPct val="150000"/>
+              </a:lnSpc>
+            </a:pPr>
+            <a:r>
+              <a:rPr lang="en-US" altLang="ko-KR" dirty="0" smtClean="0">
+                <a:latin typeface="타이포_스톰 B" panose="02020503020101020101" pitchFamily="18" charset="-127"/>
+                <a:ea typeface="타이포_스톰 B" panose="02020503020101020101" pitchFamily="18" charset="-127"/>
+              </a:rPr>
+              <a:t>001.  </a:t>
+            </a:r>
+            <a:r>
+              <a:rPr lang="en-US" altLang="ko-KR" dirty="0" smtClean="0">
+                <a:latin typeface="Bahnschrift Light SemiCondensed" panose="020B0502040204020203" pitchFamily="34" charset="0"/>
+                <a:ea typeface="타이포_스톰 B" panose="02020503020101020101" pitchFamily="18" charset="-127"/>
+              </a:rPr>
+              <a:t>Development Environment</a:t>
+            </a:r>
+            <a:endParaRPr lang="en-US" altLang="ko-KR" dirty="0" smtClean="0">
+              <a:latin typeface="Bahnschrift Light SemiCondensed" panose="020B0502040204020203" pitchFamily="34" charset="0"/>
+            </a:endParaRPr>
+          </a:p>
+          <a:p>
+            <a:pPr>
+              <a:lnSpc>
+                <a:spcPct val="150000"/>
+              </a:lnSpc>
+            </a:pPr>
+            <a:r>
+              <a:rPr lang="en-US" altLang="ko-KR" dirty="0" smtClean="0">
+                <a:latin typeface="타이포_스톰 B" panose="02020503020101020101" pitchFamily="18" charset="-127"/>
+                <a:ea typeface="타이포_스톰 B" panose="02020503020101020101" pitchFamily="18" charset="-127"/>
+              </a:rPr>
+              <a:t>002.  </a:t>
+            </a:r>
+            <a:r>
+              <a:rPr lang="en-US" altLang="ko-KR" dirty="0" smtClean="0">
+                <a:latin typeface="Bahnschrift Light SemiCondensed" panose="020B0502040204020203" pitchFamily="34" charset="0"/>
+                <a:ea typeface="타이포_스톰 B" panose="02020503020101020101" pitchFamily="18" charset="-127"/>
+              </a:rPr>
+              <a:t>Requirements Documentation</a:t>
+            </a:r>
+            <a:endParaRPr lang="en-US" altLang="ko-KR" dirty="0">
+              <a:latin typeface="Bahnschrift Light SemiCondensed" panose="020B0502040204020203" pitchFamily="34" charset="0"/>
+            </a:endParaRPr>
+          </a:p>
+          <a:p>
+            <a:pPr>
+              <a:lnSpc>
+                <a:spcPct val="150000"/>
+              </a:lnSpc>
+            </a:pPr>
+            <a:r>
+              <a:rPr lang="en-US" altLang="ko-KR" dirty="0" smtClean="0">
+                <a:latin typeface="타이포_스톰 B" panose="02020503020101020101" pitchFamily="18" charset="-127"/>
+                <a:ea typeface="타이포_스톰 B" panose="02020503020101020101" pitchFamily="18" charset="-127"/>
+              </a:rPr>
+              <a:t>003.  </a:t>
+            </a:r>
+            <a:r>
+              <a:rPr lang="en-US" altLang="ko-KR" dirty="0" smtClean="0">
+                <a:latin typeface="Bahnschrift Light SemiCondensed" panose="020B0502040204020203" pitchFamily="34" charset="0"/>
+              </a:rPr>
+              <a:t>Screen Design</a:t>
+            </a:r>
+          </a:p>
+          <a:p>
+            <a:pPr>
+              <a:lnSpc>
+                <a:spcPct val="150000"/>
+              </a:lnSpc>
+            </a:pPr>
+            <a:r>
+              <a:rPr lang="en-US" altLang="ko-KR" dirty="0" smtClean="0">
+                <a:latin typeface="타이포_스톰 B" panose="02020503020101020101" pitchFamily="18" charset="-127"/>
+                <a:ea typeface="타이포_스톰 B" panose="02020503020101020101" pitchFamily="18" charset="-127"/>
+              </a:rPr>
+              <a:t>004.  </a:t>
+            </a:r>
+            <a:r>
+              <a:rPr lang="en-US" altLang="ko-KR" dirty="0" smtClean="0">
+                <a:latin typeface="Bahnschrift Light SemiCondensed" panose="020B0502040204020203" pitchFamily="34" charset="0"/>
+              </a:rPr>
+              <a:t>Review</a:t>
+            </a:r>
+            <a:endParaRPr lang="ko-KR" altLang="en-US" dirty="0">
+              <a:latin typeface="Bahnschrift Light SemiCondensed" panose="020B0502040204020203" pitchFamily="34" charset="0"/>
+            </a:endParaRPr>
+          </a:p>
+        </p:txBody>
+      </p:sp>
+      <p:grpSp>
+        <p:nvGrpSpPr>
+          <p:cNvPr id="15" name="그룹 14"/>
+          <p:cNvGrpSpPr/>
+          <p:nvPr/>
+        </p:nvGrpSpPr>
+        <p:grpSpPr>
+          <a:xfrm>
+            <a:off x="-8314" y="5592937"/>
+            <a:ext cx="9152314" cy="49876"/>
+            <a:chOff x="0" y="6058453"/>
+            <a:chExt cx="9152314" cy="49876"/>
+          </a:xfrm>
+        </p:grpSpPr>
+        <p:sp>
+          <p:nvSpPr>
+            <p:cNvPr id="3" name="직사각형 2"/>
+            <p:cNvSpPr/>
+            <p:nvPr/>
+          </p:nvSpPr>
+          <p:spPr>
+            <a:xfrm>
+              <a:off x="0" y="6058453"/>
+              <a:ext cx="9144000" cy="49876"/>
+            </a:xfrm>
+            <a:prstGeom prst="rect">
+              <a:avLst/>
+            </a:prstGeom>
+            <a:solidFill>
+              <a:schemeClr val="bg1"/>
+            </a:solidFill>
+            <a:ln>
+              <a:solidFill>
+                <a:schemeClr val="bg1"/>
+              </a:solidFill>
+            </a:ln>
+          </p:spPr>
+          <p:style>
+            <a:lnRef idx="2">
+              <a:schemeClr val="accent1">
+                <a:shade val="50000"/>
+              </a:schemeClr>
+            </a:lnRef>
+            <a:fillRef idx="1">
+              <a:schemeClr val="accent1"/>
+            </a:fillRef>
+            <a:effectRef idx="0">
+              <a:schemeClr val="accent1"/>
+            </a:effectRef>
+            <a:fontRef idx="minor">
+              <a:schemeClr val="lt1"/>
+            </a:fontRef>
+          </p:style>
+          <p:txBody>
+            <a:bodyPr rtlCol="0" anchor="ctr"/>
+            <a:lstStyle/>
+            <a:p>
+              <a:pPr algn="ctr"/>
+              <a:endParaRPr lang="ko-KR" altLang="en-US"/>
+            </a:p>
+          </p:txBody>
+        </p:sp>
+        <p:sp>
+          <p:nvSpPr>
+            <p:cNvPr id="14" name="직사각형 13"/>
+            <p:cNvSpPr/>
+            <p:nvPr/>
+          </p:nvSpPr>
+          <p:spPr>
+            <a:xfrm>
+              <a:off x="4705004" y="6062610"/>
+              <a:ext cx="4447310" cy="45719"/>
+            </a:xfrm>
+            <a:prstGeom prst="rect">
+              <a:avLst/>
+            </a:prstGeom>
+            <a:solidFill>
+              <a:srgbClr val="FDBBC1"/>
+            </a:solidFill>
+            <a:ln>
+              <a:solidFill>
+                <a:srgbClr val="FDBBC1"/>
+              </a:solidFill>
+            </a:ln>
+          </p:spPr>
+          <p:style>
+            <a:lnRef idx="2">
+              <a:schemeClr val="accent1">
+                <a:shade val="50000"/>
+              </a:schemeClr>
+            </a:lnRef>
+            <a:fillRef idx="1">
+              <a:schemeClr val="accent1"/>
+            </a:fillRef>
+            <a:effectRef idx="0">
+              <a:schemeClr val="accent1"/>
+            </a:effectRef>
+            <a:fontRef idx="minor">
+              <a:schemeClr val="lt1"/>
+            </a:fontRef>
+          </p:style>
+          <p:txBody>
+            <a:bodyPr rtlCol="0" anchor="ctr"/>
+            <a:lstStyle/>
+            <a:p>
+              <a:pPr algn="ctr"/>
+              <a:endParaRPr lang="ko-KR" altLang="en-US"/>
+            </a:p>
+          </p:txBody>
+        </p:sp>
+      </p:grpSp>
+    </p:spTree>
+    <p:extLst>
+      <p:ext uri="{BB962C8B-B14F-4D97-AF65-F5344CB8AC3E}">
+        <p14:creationId xmlns:p14="http://schemas.microsoft.com/office/powerpoint/2010/main" val="3678933959"/>
+      </p:ext>
+    </p:extLst>
+  </p:cSld>
+  <p:clrMapOvr>
+    <a:masterClrMapping/>
+  </p:clrMapOvr>
+  <p:timing>
+    <p:tnLst>
+      <p:par>
+        <p:cTn id="1" dur="indefinite" restart="never" nodeType="tmRoot"/>
+      </p:par>
+    </p:tnLst>
+  </p:timing>
+</p:sld>
+</file>
+
+<file path=ppt/slides/slide20.xml><?xml version="1.0" encoding="utf-8"?>
 <p:sld xmlns:a="http://schemas.openxmlformats.org/drawingml/2006/main" xmlns:r="http://schemas.openxmlformats.org/officeDocument/2006/relationships" xmlns:p="http://schemas.openxmlformats.org/presentationml/2006/main">
   <p:cSld>
     <p:spTree>
@@ -12646,349 +13355,7 @@
 </p:sld>
 </file>
 
-<file path=ppt/slides/slide2.xml><?xml version="1.0" encoding="utf-8"?>
-<p:sld xmlns:a="http://schemas.openxmlformats.org/drawingml/2006/main" xmlns:r="http://schemas.openxmlformats.org/officeDocument/2006/relationships" xmlns:p="http://schemas.openxmlformats.org/presentationml/2006/main">
-  <p:cSld>
-    <p:bg>
-      <p:bgPr>
-        <a:solidFill>
-          <a:srgbClr val="94C3BB"/>
-        </a:solidFill>
-        <a:effectLst/>
-      </p:bgPr>
-    </p:bg>
-    <p:spTree>
-      <p:nvGrpSpPr>
-        <p:cNvPr id="1" name=""/>
-        <p:cNvGrpSpPr/>
-        <p:nvPr/>
-      </p:nvGrpSpPr>
-      <p:grpSpPr>
-        <a:xfrm>
-          <a:off x="0" y="0"/>
-          <a:ext cx="0" cy="0"/>
-          <a:chOff x="0" y="0"/>
-          <a:chExt cx="0" cy="0"/>
-        </a:xfrm>
-      </p:grpSpPr>
-      <p:sp>
-        <p:nvSpPr>
-          <p:cNvPr id="4" name="직사각형 3"/>
-          <p:cNvSpPr/>
-          <p:nvPr/>
-        </p:nvSpPr>
-        <p:spPr>
-          <a:xfrm>
-            <a:off x="0" y="1221968"/>
-            <a:ext cx="9144000" cy="814647"/>
-          </a:xfrm>
-          <a:prstGeom prst="rect">
-            <a:avLst/>
-          </a:prstGeom>
-          <a:solidFill>
-            <a:schemeClr val="bg1"/>
-          </a:solidFill>
-          <a:ln>
-            <a:noFill/>
-          </a:ln>
-        </p:spPr>
-        <p:style>
-          <a:lnRef idx="2">
-            <a:schemeClr val="accent1">
-              <a:shade val="50000"/>
-            </a:schemeClr>
-          </a:lnRef>
-          <a:fillRef idx="1">
-            <a:schemeClr val="accent1"/>
-          </a:fillRef>
-          <a:effectRef idx="0">
-            <a:schemeClr val="accent1"/>
-          </a:effectRef>
-          <a:fontRef idx="minor">
-            <a:schemeClr val="lt1"/>
-          </a:fontRef>
-        </p:style>
-        <p:txBody>
-          <a:bodyPr rtlCol="0" anchor="ctr"/>
-          <a:lstStyle/>
-          <a:p>
-            <a:pPr algn="ctr"/>
-            <a:r>
-              <a:rPr lang="en-US" altLang="ko-KR" sz="3200" dirty="0" smtClean="0">
-                <a:solidFill>
-                  <a:srgbClr val="FDBBC1"/>
-                </a:solidFill>
-                <a:latin typeface="타이포_스톰 B" panose="02020503020101020101" pitchFamily="18" charset="-127"/>
-                <a:ea typeface="타이포_스톰 B" panose="02020503020101020101" pitchFamily="18" charset="-127"/>
-              </a:rPr>
-              <a:t>C</a:t>
-            </a:r>
-            <a:r>
-              <a:rPr lang="en-US" altLang="ko-KR" sz="3200" dirty="0" smtClean="0">
-                <a:solidFill>
-                  <a:srgbClr val="94C3BB"/>
-                </a:solidFill>
-                <a:latin typeface="타이포_스톰 B" panose="02020503020101020101" pitchFamily="18" charset="-127"/>
-                <a:ea typeface="타이포_스톰 B" panose="02020503020101020101" pitchFamily="18" charset="-127"/>
-              </a:rPr>
-              <a:t>ONTENTS</a:t>
-            </a:r>
-            <a:endParaRPr lang="ko-KR" altLang="en-US" sz="3200" dirty="0">
-              <a:solidFill>
-                <a:srgbClr val="94C3BB"/>
-              </a:solidFill>
-              <a:latin typeface="타이포_스톰 B" panose="02020503020101020101" pitchFamily="18" charset="-127"/>
-              <a:ea typeface="타이포_스톰 B" panose="02020503020101020101" pitchFamily="18" charset="-127"/>
-            </a:endParaRPr>
-          </a:p>
-        </p:txBody>
-      </p:sp>
-      <p:sp>
-        <p:nvSpPr>
-          <p:cNvPr id="2" name="TextBox 1"/>
-          <p:cNvSpPr txBox="1"/>
-          <p:nvPr/>
-        </p:nvSpPr>
-        <p:spPr>
-          <a:xfrm>
-            <a:off x="4696690" y="2421867"/>
-            <a:ext cx="3648240" cy="1754326"/>
-          </a:xfrm>
-          <a:prstGeom prst="rect">
-            <a:avLst/>
-          </a:prstGeom>
-          <a:noFill/>
-        </p:spPr>
-        <p:txBody>
-          <a:bodyPr wrap="square" rtlCol="0">
-            <a:spAutoFit/>
-          </a:bodyPr>
-          <a:lstStyle/>
-          <a:p>
-            <a:pPr>
-              <a:lnSpc>
-                <a:spcPct val="150000"/>
-              </a:lnSpc>
-            </a:pPr>
-            <a:r>
-              <a:rPr lang="en-US" altLang="ko-KR" dirty="0" smtClean="0">
-                <a:latin typeface="타이포_스톰 B" panose="02020503020101020101" pitchFamily="18" charset="-127"/>
-                <a:ea typeface="타이포_스톰 B" panose="02020503020101020101" pitchFamily="18" charset="-127"/>
-              </a:rPr>
-              <a:t>001.  </a:t>
-            </a:r>
-            <a:r>
-              <a:rPr lang="en-US" altLang="ko-KR" dirty="0" smtClean="0">
-                <a:latin typeface="Bahnschrift Light SemiCondensed" panose="020B0502040204020203" pitchFamily="34" charset="0"/>
-                <a:ea typeface="타이포_스톰 B" panose="02020503020101020101" pitchFamily="18" charset="-127"/>
-              </a:rPr>
-              <a:t>Development Environment</a:t>
-            </a:r>
-            <a:endParaRPr lang="en-US" altLang="ko-KR" dirty="0" smtClean="0">
-              <a:latin typeface="Bahnschrift Light SemiCondensed" panose="020B0502040204020203" pitchFamily="34" charset="0"/>
-            </a:endParaRPr>
-          </a:p>
-          <a:p>
-            <a:pPr>
-              <a:lnSpc>
-                <a:spcPct val="150000"/>
-              </a:lnSpc>
-            </a:pPr>
-            <a:r>
-              <a:rPr lang="en-US" altLang="ko-KR" dirty="0" smtClean="0">
-                <a:latin typeface="타이포_스톰 B" panose="02020503020101020101" pitchFamily="18" charset="-127"/>
-                <a:ea typeface="타이포_스톰 B" panose="02020503020101020101" pitchFamily="18" charset="-127"/>
-              </a:rPr>
-              <a:t>002.  </a:t>
-            </a:r>
-            <a:r>
-              <a:rPr lang="en-US" altLang="ko-KR" dirty="0" smtClean="0">
-                <a:latin typeface="Bahnschrift Light SemiCondensed" panose="020B0502040204020203" pitchFamily="34" charset="0"/>
-                <a:ea typeface="타이포_스톰 B" panose="02020503020101020101" pitchFamily="18" charset="-127"/>
-              </a:rPr>
-              <a:t>Requirements Documentation</a:t>
-            </a:r>
-            <a:endParaRPr lang="en-US" altLang="ko-KR" dirty="0">
-              <a:latin typeface="Bahnschrift Light SemiCondensed" panose="020B0502040204020203" pitchFamily="34" charset="0"/>
-            </a:endParaRPr>
-          </a:p>
-          <a:p>
-            <a:pPr>
-              <a:lnSpc>
-                <a:spcPct val="150000"/>
-              </a:lnSpc>
-            </a:pPr>
-            <a:r>
-              <a:rPr lang="en-US" altLang="ko-KR" dirty="0" smtClean="0">
-                <a:latin typeface="타이포_스톰 B" panose="02020503020101020101" pitchFamily="18" charset="-127"/>
-                <a:ea typeface="타이포_스톰 B" panose="02020503020101020101" pitchFamily="18" charset="-127"/>
-              </a:rPr>
-              <a:t>003.  </a:t>
-            </a:r>
-            <a:r>
-              <a:rPr lang="en-US" altLang="ko-KR" dirty="0" smtClean="0">
-                <a:latin typeface="Bahnschrift Light SemiCondensed" panose="020B0502040204020203" pitchFamily="34" charset="0"/>
-              </a:rPr>
-              <a:t>Screen Design</a:t>
-            </a:r>
-          </a:p>
-          <a:p>
-            <a:pPr>
-              <a:lnSpc>
-                <a:spcPct val="150000"/>
-              </a:lnSpc>
-            </a:pPr>
-            <a:r>
-              <a:rPr lang="en-US" altLang="ko-KR" dirty="0" smtClean="0">
-                <a:latin typeface="타이포_스톰 B" panose="02020503020101020101" pitchFamily="18" charset="-127"/>
-                <a:ea typeface="타이포_스톰 B" panose="02020503020101020101" pitchFamily="18" charset="-127"/>
-              </a:rPr>
-              <a:t>004.  </a:t>
-            </a:r>
-            <a:r>
-              <a:rPr lang="en-US" altLang="ko-KR" dirty="0" smtClean="0">
-                <a:latin typeface="Bahnschrift Light SemiCondensed" panose="020B0502040204020203" pitchFamily="34" charset="0"/>
-              </a:rPr>
-              <a:t>Review</a:t>
-            </a:r>
-            <a:endParaRPr lang="ko-KR" altLang="en-US" dirty="0">
-              <a:latin typeface="Bahnschrift Light SemiCondensed" panose="020B0502040204020203" pitchFamily="34" charset="0"/>
-            </a:endParaRPr>
-          </a:p>
-        </p:txBody>
-      </p:sp>
-      <p:grpSp>
-        <p:nvGrpSpPr>
-          <p:cNvPr id="15" name="그룹 14"/>
-          <p:cNvGrpSpPr/>
-          <p:nvPr/>
-        </p:nvGrpSpPr>
-        <p:grpSpPr>
-          <a:xfrm>
-            <a:off x="-8314" y="5592937"/>
-            <a:ext cx="9152314" cy="49876"/>
-            <a:chOff x="0" y="6058453"/>
-            <a:chExt cx="9152314" cy="49876"/>
-          </a:xfrm>
-        </p:grpSpPr>
-        <p:sp>
-          <p:nvSpPr>
-            <p:cNvPr id="3" name="직사각형 2"/>
-            <p:cNvSpPr/>
-            <p:nvPr/>
-          </p:nvSpPr>
-          <p:spPr>
-            <a:xfrm>
-              <a:off x="0" y="6058453"/>
-              <a:ext cx="9144000" cy="49876"/>
-            </a:xfrm>
-            <a:prstGeom prst="rect">
-              <a:avLst/>
-            </a:prstGeom>
-            <a:solidFill>
-              <a:schemeClr val="bg1"/>
-            </a:solidFill>
-            <a:ln>
-              <a:solidFill>
-                <a:schemeClr val="bg1"/>
-              </a:solidFill>
-            </a:ln>
-          </p:spPr>
-          <p:style>
-            <a:lnRef idx="2">
-              <a:schemeClr val="accent1">
-                <a:shade val="50000"/>
-              </a:schemeClr>
-            </a:lnRef>
-            <a:fillRef idx="1">
-              <a:schemeClr val="accent1"/>
-            </a:fillRef>
-            <a:effectRef idx="0">
-              <a:schemeClr val="accent1"/>
-            </a:effectRef>
-            <a:fontRef idx="minor">
-              <a:schemeClr val="lt1"/>
-            </a:fontRef>
-          </p:style>
-          <p:txBody>
-            <a:bodyPr rtlCol="0" anchor="ctr"/>
-            <a:lstStyle/>
-            <a:p>
-              <a:pPr algn="ctr"/>
-              <a:endParaRPr lang="ko-KR" altLang="en-US"/>
-            </a:p>
-          </p:txBody>
-        </p:sp>
-        <p:sp>
-          <p:nvSpPr>
-            <p:cNvPr id="14" name="직사각형 13"/>
-            <p:cNvSpPr/>
-            <p:nvPr/>
-          </p:nvSpPr>
-          <p:spPr>
-            <a:xfrm>
-              <a:off x="4705004" y="6062610"/>
-              <a:ext cx="4447310" cy="45719"/>
-            </a:xfrm>
-            <a:prstGeom prst="rect">
-              <a:avLst/>
-            </a:prstGeom>
-            <a:solidFill>
-              <a:srgbClr val="FDBBC1"/>
-            </a:solidFill>
-            <a:ln>
-              <a:solidFill>
-                <a:srgbClr val="FDBBC1"/>
-              </a:solidFill>
-            </a:ln>
-          </p:spPr>
-          <p:style>
-            <a:lnRef idx="2">
-              <a:schemeClr val="accent1">
-                <a:shade val="50000"/>
-              </a:schemeClr>
-            </a:lnRef>
-            <a:fillRef idx="1">
-              <a:schemeClr val="accent1"/>
-            </a:fillRef>
-            <a:effectRef idx="0">
-              <a:schemeClr val="accent1"/>
-            </a:effectRef>
-            <a:fontRef idx="minor">
-              <a:schemeClr val="lt1"/>
-            </a:fontRef>
-          </p:style>
-          <p:txBody>
-            <a:bodyPr rtlCol="0" anchor="ctr"/>
-            <a:lstStyle/>
-            <a:p>
-              <a:pPr algn="ctr"/>
-              <a:endParaRPr lang="ko-KR" altLang="en-US"/>
-            </a:p>
-          </p:txBody>
-        </p:sp>
-      </p:grpSp>
-    </p:spTree>
-    <p:extLst>
-      <p:ext uri="{BB962C8B-B14F-4D97-AF65-F5344CB8AC3E}">
-        <p14:creationId xmlns:p14="http://schemas.microsoft.com/office/powerpoint/2010/main" val="3678933959"/>
-      </p:ext>
-    </p:extLst>
-  </p:cSld>
-  <p:clrMapOvr>
-    <a:masterClrMapping/>
-  </p:clrMapOvr>
-  <p:timing>
-    <p:tnLst>
-      <p:par>
-        <p:cTn id="1" dur="indefinite" restart="never" nodeType="tmRoot"/>
-      </p:par>
-    </p:tnLst>
-  </p:timing>
-</p:sld>
-</file>
-
-<file path=ppt/slides/slide20.xml><?xml version="1.0" encoding="utf-8"?>
+<file path=ppt/slides/slide21.xml><?xml version="1.0" encoding="utf-8"?>
 <p:sld xmlns:a="http://schemas.openxmlformats.org/drawingml/2006/main" xmlns:r="http://schemas.openxmlformats.org/officeDocument/2006/relationships" xmlns:p="http://schemas.openxmlformats.org/presentationml/2006/main">
   <p:cSld>
     <p:spTree>
@@ -13448,7 +13815,7 @@
 </p:sld>
 </file>
 
-<file path=ppt/slides/slide21.xml><?xml version="1.0" encoding="utf-8"?>
+<file path=ppt/slides/slide22.xml><?xml version="1.0" encoding="utf-8"?>
 <p:sld xmlns:a="http://schemas.openxmlformats.org/drawingml/2006/main" xmlns:r="http://schemas.openxmlformats.org/officeDocument/2006/relationships" xmlns:p="http://schemas.openxmlformats.org/presentationml/2006/main">
   <p:cSld>
     <p:spTree>
@@ -13865,7 +14232,7 @@
 </p:sld>
 </file>
 
-<file path=ppt/slides/slide22.xml><?xml version="1.0" encoding="utf-8"?>
+<file path=ppt/slides/slide23.xml><?xml version="1.0" encoding="utf-8"?>
 <p:sld xmlns:a="http://schemas.openxmlformats.org/drawingml/2006/main" xmlns:r="http://schemas.openxmlformats.org/officeDocument/2006/relationships" xmlns:p="http://schemas.openxmlformats.org/presentationml/2006/main">
   <p:cSld>
     <p:spTree>
@@ -14230,7 +14597,7 @@
 </p:sld>
 </file>
 
-<file path=ppt/slides/slide23.xml><?xml version="1.0" encoding="utf-8"?>
+<file path=ppt/slides/slide24.xml><?xml version="1.0" encoding="utf-8"?>
 <p:sld xmlns:a="http://schemas.openxmlformats.org/drawingml/2006/main" xmlns:r="http://schemas.openxmlformats.org/officeDocument/2006/relationships" xmlns:p="http://schemas.openxmlformats.org/presentationml/2006/main">
   <p:cSld>
     <p:spTree>
@@ -14655,7 +15022,7 @@
 </p:sld>
 </file>
 
-<file path=ppt/slides/slide24.xml><?xml version="1.0" encoding="utf-8"?>
+<file path=ppt/slides/slide25.xml><?xml version="1.0" encoding="utf-8"?>
 <p:sld xmlns:a="http://schemas.openxmlformats.org/drawingml/2006/main" xmlns:r="http://schemas.openxmlformats.org/officeDocument/2006/relationships" xmlns:p="http://schemas.openxmlformats.org/presentationml/2006/main">
   <p:cSld>
     <p:spTree>
@@ -15021,7 +15388,7 @@
 </p:sld>
 </file>
 
-<file path=ppt/slides/slide25.xml><?xml version="1.0" encoding="utf-8"?>
+<file path=ppt/slides/slide26.xml><?xml version="1.0" encoding="utf-8"?>
 <p:sld xmlns:a="http://schemas.openxmlformats.org/drawingml/2006/main" xmlns:r="http://schemas.openxmlformats.org/officeDocument/2006/relationships" xmlns:p="http://schemas.openxmlformats.org/presentationml/2006/main">
   <p:cSld>
     <p:spTree>
@@ -17784,16 +18151,337 @@
           </a:p>
         </p:txBody>
       </p:sp>
+    </p:spTree>
+    <p:extLst>
+      <p:ext uri="{BB962C8B-B14F-4D97-AF65-F5344CB8AC3E}">
+        <p14:creationId xmlns:p14="http://schemas.microsoft.com/office/powerpoint/2010/main" val="164222853"/>
+      </p:ext>
+    </p:extLst>
+  </p:cSld>
+  <p:clrMapOvr>
+    <a:masterClrMapping/>
+  </p:clrMapOvr>
+  <p:timing>
+    <p:tnLst>
+      <p:par>
+        <p:cTn id="1" dur="indefinite" restart="never" nodeType="tmRoot"/>
+      </p:par>
+    </p:tnLst>
+  </p:timing>
+</p:sld>
+</file>
+
+<file path=ppt/slides/slide6.xml><?xml version="1.0" encoding="utf-8"?>
+<p:sld xmlns:a="http://schemas.openxmlformats.org/drawingml/2006/main" xmlns:r="http://schemas.openxmlformats.org/officeDocument/2006/relationships" xmlns:p="http://schemas.openxmlformats.org/presentationml/2006/main">
+  <p:cSld>
+    <p:spTree>
+      <p:nvGrpSpPr>
+        <p:cNvPr id="1" name=""/>
+        <p:cNvGrpSpPr/>
+        <p:nvPr/>
+      </p:nvGrpSpPr>
+      <p:grpSpPr>
+        <a:xfrm>
+          <a:off x="0" y="0"/>
+          <a:ext cx="0" cy="0"/>
+          <a:chOff x="0" y="0"/>
+          <a:chExt cx="0" cy="0"/>
+        </a:xfrm>
+      </p:grpSpPr>
       <p:sp>
         <p:nvSpPr>
-          <p:cNvPr id="10" name="TextBox 9"/>
+          <p:cNvPr id="5" name="직사각형 4"/>
+          <p:cNvSpPr/>
+          <p:nvPr/>
+        </p:nvSpPr>
+        <p:spPr>
+          <a:xfrm>
+            <a:off x="0" y="-1"/>
+            <a:ext cx="9144000" cy="370703"/>
+          </a:xfrm>
+          <a:prstGeom prst="rect">
+            <a:avLst/>
+          </a:prstGeom>
+          <a:solidFill>
+            <a:srgbClr val="94C3BB"/>
+          </a:solidFill>
+          <a:ln>
+            <a:noFill/>
+          </a:ln>
+        </p:spPr>
+        <p:style>
+          <a:lnRef idx="2">
+            <a:schemeClr val="accent1">
+              <a:shade val="50000"/>
+            </a:schemeClr>
+          </a:lnRef>
+          <a:fillRef idx="1">
+            <a:schemeClr val="accent1"/>
+          </a:fillRef>
+          <a:effectRef idx="0">
+            <a:schemeClr val="accent1"/>
+          </a:effectRef>
+          <a:fontRef idx="minor">
+            <a:schemeClr val="lt1"/>
+          </a:fontRef>
+        </p:style>
+        <p:txBody>
+          <a:bodyPr rot="0" spcFirstLastPara="0" vertOverflow="overflow" horzOverflow="overflow" vert="horz" wrap="square" lIns="68580" tIns="34290" rIns="68580" bIns="34290" numCol="1" spcCol="0" rtlCol="0" fromWordArt="0" anchor="ctr" anchorCtr="0" forceAA="0" compatLnSpc="1">
+            <a:prstTxWarp prst="textNoShape">
+              <a:avLst/>
+            </a:prstTxWarp>
+            <a:noAutofit/>
+          </a:bodyPr>
+          <a:lstStyle/>
+          <a:p>
+            <a:pPr algn="ctr"/>
+            <a:endParaRPr lang="ko-KR" altLang="en-US" sz="1350" dirty="0">
+              <a:solidFill>
+                <a:prstClr val="white"/>
+              </a:solidFill>
+            </a:endParaRPr>
+          </a:p>
+        </p:txBody>
+      </p:sp>
+      <p:sp>
+        <p:nvSpPr>
+          <p:cNvPr id="7" name="직사각형 6"/>
+          <p:cNvSpPr/>
+          <p:nvPr/>
+        </p:nvSpPr>
+        <p:spPr>
+          <a:xfrm>
+            <a:off x="0" y="6511815"/>
+            <a:ext cx="9144000" cy="370703"/>
+          </a:xfrm>
+          <a:prstGeom prst="rect">
+            <a:avLst/>
+          </a:prstGeom>
+          <a:solidFill>
+            <a:srgbClr val="94C3BB"/>
+          </a:solidFill>
+          <a:ln>
+            <a:noFill/>
+          </a:ln>
+        </p:spPr>
+        <p:style>
+          <a:lnRef idx="2">
+            <a:schemeClr val="accent1">
+              <a:shade val="50000"/>
+            </a:schemeClr>
+          </a:lnRef>
+          <a:fillRef idx="1">
+            <a:schemeClr val="accent1"/>
+          </a:fillRef>
+          <a:effectRef idx="0">
+            <a:schemeClr val="accent1"/>
+          </a:effectRef>
+          <a:fontRef idx="minor">
+            <a:schemeClr val="lt1"/>
+          </a:fontRef>
+        </p:style>
+        <p:txBody>
+          <a:bodyPr rot="0" spcFirstLastPara="0" vertOverflow="overflow" horzOverflow="overflow" vert="horz" wrap="square" lIns="68580" tIns="34290" rIns="68580" bIns="34290" numCol="1" spcCol="0" rtlCol="0" fromWordArt="0" anchor="ctr" anchorCtr="0" forceAA="0" compatLnSpc="1">
+            <a:prstTxWarp prst="textNoShape">
+              <a:avLst/>
+            </a:prstTxWarp>
+            <a:noAutofit/>
+          </a:bodyPr>
+          <a:lstStyle/>
+          <a:p>
+            <a:pPr algn="ctr"/>
+            <a:endParaRPr lang="ko-KR" altLang="en-US" sz="1350" dirty="0">
+              <a:solidFill>
+                <a:prstClr val="white"/>
+              </a:solidFill>
+            </a:endParaRPr>
+          </a:p>
+        </p:txBody>
+      </p:sp>
+      <p:pic>
+        <p:nvPicPr>
+          <p:cNvPr id="2" name="그림 1"/>
+          <p:cNvPicPr>
+            <a:picLocks noChangeAspect="1"/>
+          </p:cNvPicPr>
+          <p:nvPr/>
+        </p:nvPicPr>
+        <p:blipFill rotWithShape="1">
+          <a:blip r:embed="rId2" cstate="print">
+            <a:extLst>
+              <a:ext uri="{28A0092B-C50C-407E-A947-70E740481C1C}">
+                <a14:useLocalDpi xmlns:a14="http://schemas.microsoft.com/office/drawing/2010/main" val="0"/>
+              </a:ext>
+            </a:extLst>
+          </a:blip>
+          <a:srcRect b="79254"/>
+          <a:stretch/>
+        </p:blipFill>
+        <p:spPr>
+          <a:xfrm>
+            <a:off x="7056657" y="68881"/>
+            <a:ext cx="2087343" cy="301821"/>
+          </a:xfrm>
+          <a:prstGeom prst="rect">
+            <a:avLst/>
+          </a:prstGeom>
+        </p:spPr>
+      </p:pic>
+      <p:sp>
+        <p:nvSpPr>
+          <p:cNvPr id="29" name="직사각형 28"/>
+          <p:cNvSpPr/>
+          <p:nvPr/>
+        </p:nvSpPr>
+        <p:spPr>
+          <a:xfrm>
+            <a:off x="0" y="33738"/>
+            <a:ext cx="5815915" cy="469557"/>
+          </a:xfrm>
+          <a:prstGeom prst="rect">
+            <a:avLst/>
+          </a:prstGeom>
+          <a:noFill/>
+          <a:ln>
+            <a:noFill/>
+          </a:ln>
+        </p:spPr>
+        <p:style>
+          <a:lnRef idx="2">
+            <a:schemeClr val="accent1">
+              <a:shade val="50000"/>
+            </a:schemeClr>
+          </a:lnRef>
+          <a:fillRef idx="1">
+            <a:schemeClr val="accent1"/>
+          </a:fillRef>
+          <a:effectRef idx="0">
+            <a:schemeClr val="accent1"/>
+          </a:effectRef>
+          <a:fontRef idx="minor">
+            <a:schemeClr val="lt1"/>
+          </a:fontRef>
+        </p:style>
+        <p:txBody>
+          <a:bodyPr rtlCol="0" anchor="ctr"/>
+          <a:lstStyle/>
+          <a:p>
+            <a:r>
+              <a:rPr lang="en-US" altLang="ko-KR" sz="2400" dirty="0" smtClean="0">
+                <a:solidFill>
+                  <a:srgbClr val="FDBBC1"/>
+                </a:solidFill>
+                <a:latin typeface="타이포_스톰 B" panose="02020503020101020101" pitchFamily="18" charset="-127"/>
+                <a:ea typeface="타이포_스톰 B" panose="02020503020101020101" pitchFamily="18" charset="-127"/>
+              </a:rPr>
+              <a:t>D</a:t>
+            </a:r>
+            <a:r>
+              <a:rPr lang="en-US" altLang="ko-KR" sz="2400" dirty="0" smtClean="0">
+                <a:solidFill>
+                  <a:schemeClr val="bg1"/>
+                </a:solidFill>
+                <a:latin typeface="타이포_스톰 B" panose="02020503020101020101" pitchFamily="18" charset="-127"/>
+                <a:ea typeface="타이포_스톰 B" panose="02020503020101020101" pitchFamily="18" charset="-127"/>
+              </a:rPr>
+              <a:t>evelopment </a:t>
+            </a:r>
+            <a:r>
+              <a:rPr lang="en-US" altLang="ko-KR" sz="2400" dirty="0" smtClean="0">
+                <a:solidFill>
+                  <a:srgbClr val="FDBBC1"/>
+                </a:solidFill>
+                <a:latin typeface="타이포_스톰 B" panose="02020503020101020101" pitchFamily="18" charset="-127"/>
+                <a:ea typeface="타이포_스톰 B" panose="02020503020101020101" pitchFamily="18" charset="-127"/>
+              </a:rPr>
+              <a:t>E</a:t>
+            </a:r>
+            <a:r>
+              <a:rPr lang="en-US" altLang="ko-KR" sz="2400" dirty="0" smtClean="0">
+                <a:solidFill>
+                  <a:schemeClr val="bg1"/>
+                </a:solidFill>
+                <a:latin typeface="타이포_스톰 B" panose="02020503020101020101" pitchFamily="18" charset="-127"/>
+                <a:ea typeface="타이포_스톰 B" panose="02020503020101020101" pitchFamily="18" charset="-127"/>
+              </a:rPr>
+              <a:t>nvironment</a:t>
+            </a:r>
+            <a:endParaRPr lang="ko-KR" altLang="en-US" sz="2400" dirty="0">
+              <a:solidFill>
+                <a:schemeClr val="bg1"/>
+              </a:solidFill>
+              <a:latin typeface="타이포_스톰 B" panose="02020503020101020101" pitchFamily="18" charset="-127"/>
+              <a:ea typeface="타이포_스톰 B" panose="02020503020101020101" pitchFamily="18" charset="-127"/>
+            </a:endParaRPr>
+          </a:p>
+        </p:txBody>
+      </p:sp>
+      <p:sp>
+        <p:nvSpPr>
+          <p:cNvPr id="8" name="TextBox 7"/>
           <p:cNvSpPr txBox="1"/>
           <p:nvPr/>
         </p:nvSpPr>
         <p:spPr>
           <a:xfrm>
-            <a:off x="285632" y="3726085"/>
-            <a:ext cx="8638912" cy="646331"/>
+            <a:off x="263080" y="802505"/>
+            <a:ext cx="1928186" cy="400110"/>
+          </a:xfrm>
+          <a:prstGeom prst="rect">
+            <a:avLst/>
+          </a:prstGeom>
+          <a:solidFill>
+            <a:srgbClr val="94C3BB"/>
+          </a:solidFill>
+          <a:ln>
+            <a:solidFill>
+              <a:srgbClr val="94C3BB"/>
+            </a:solidFill>
+          </a:ln>
+        </p:spPr>
+        <p:txBody>
+          <a:bodyPr wrap="square" rtlCol="0">
+            <a:spAutoFit/>
+          </a:bodyPr>
+          <a:lstStyle/>
+          <a:p>
+            <a:pPr algn="ctr"/>
+            <a:r>
+              <a:rPr lang="en-US" altLang="ko-KR" sz="2000" smtClean="0">
+                <a:solidFill>
+                  <a:schemeClr val="tx1">
+                    <a:lumMod val="75000"/>
+                    <a:lumOff val="25000"/>
+                  </a:schemeClr>
+                </a:solidFill>
+                <a:latin typeface="타이포_스톰 B" panose="02020503020101020101" pitchFamily="18" charset="-127"/>
+                <a:ea typeface="타이포_스톰 B" panose="02020503020101020101" pitchFamily="18" charset="-127"/>
+              </a:rPr>
+              <a:t>Highcharts</a:t>
+            </a:r>
+            <a:endParaRPr lang="ko-KR" altLang="en-US" sz="2000" dirty="0">
+              <a:solidFill>
+                <a:schemeClr val="tx1">
+                  <a:lumMod val="75000"/>
+                  <a:lumOff val="25000"/>
+                </a:schemeClr>
+              </a:solidFill>
+              <a:latin typeface="타이포_스톰 B" panose="02020503020101020101" pitchFamily="18" charset="-127"/>
+              <a:ea typeface="타이포_스톰 B" panose="02020503020101020101" pitchFamily="18" charset="-127"/>
+            </a:endParaRPr>
+          </a:p>
+        </p:txBody>
+      </p:sp>
+      <p:sp>
+        <p:nvSpPr>
+          <p:cNvPr id="9" name="TextBox 8"/>
+          <p:cNvSpPr txBox="1"/>
+          <p:nvPr/>
+        </p:nvSpPr>
+        <p:spPr>
+          <a:xfrm>
+            <a:off x="285632" y="1431802"/>
+            <a:ext cx="8638912" cy="1754326"/>
           </a:xfrm>
           <a:prstGeom prst="rect">
             <a:avLst/>
@@ -17816,7 +18504,37 @@
                   <a:prstClr val="black"/>
                 </a:solidFill>
               </a:rPr>
-              <a:t>적용 부분</a:t>
+              <a:t>하이차트란</a:t>
+            </a:r>
+            <a:r>
+              <a:rPr lang="en-US" altLang="ko-KR" smtClean="0">
+                <a:solidFill>
+                  <a:prstClr val="black"/>
+                </a:solidFill>
+              </a:rPr>
+              <a:t>?</a:t>
+            </a:r>
+          </a:p>
+          <a:p>
+            <a:pPr marL="742950" lvl="1" indent="-285750">
+              <a:buFont typeface="Arial" panose="020B0604020202020204" pitchFamily="34" charset="0"/>
+              <a:buChar char="•"/>
+            </a:pPr>
+            <a:r>
+              <a:rPr lang="en-US" altLang="ko-KR" smtClean="0">
+                <a:solidFill>
+                  <a:prstClr val="black"/>
+                </a:solidFill>
+              </a:rPr>
+              <a:t>Javascript</a:t>
+            </a:r>
+            <a:r>
+              <a:rPr lang="ko-KR" altLang="en-US" smtClean="0">
+                <a:solidFill>
+                  <a:prstClr val="black"/>
+                </a:solidFill>
+              </a:rPr>
+              <a:t>를 이용해 웹의 통계적인 정보 시각화를 위해 사용되는 차트 라이브러리</a:t>
             </a:r>
             <a:endParaRPr lang="en-US" altLang="ko-KR" smtClean="0">
               <a:solidFill>
@@ -17830,12 +18548,20 @@
               <a:buChar char="•"/>
             </a:pPr>
             <a:r>
+              <a:rPr lang="en-US" altLang="ko-KR" smtClean="0">
+                <a:solidFill>
+                  <a:prstClr val="black"/>
+                </a:solidFill>
+              </a:rPr>
+              <a:t>JSON </a:t>
+            </a:r>
+            <a:r>
               <a:rPr lang="ko-KR" altLang="en-US" smtClean="0">
                 <a:solidFill>
                   <a:prstClr val="black"/>
                 </a:solidFill>
               </a:rPr>
-              <a:t>일정관리에서 </a:t>
+              <a:t>형식의 옵션을</a:t>
             </a:r>
             <a:r>
               <a:rPr lang="en-US" altLang="ko-KR" smtClean="0">
@@ -17843,7 +18569,7 @@
                   <a:prstClr val="black"/>
                 </a:solidFill>
               </a:rPr>
-              <a:t>PM</a:t>
+              <a:t>	</a:t>
             </a:r>
             <a:r>
               <a:rPr lang="ko-KR" altLang="en-US" smtClean="0">
@@ -17851,7 +18577,7 @@
                   <a:prstClr val="black"/>
                 </a:solidFill>
               </a:rPr>
-              <a:t>과 팀원의 일정을 파악할 수 있는 </a:t>
+              <a:t>사용하여 데이터 입력</a:t>
             </a:r>
             <a:r>
               <a:rPr lang="en-US" altLang="ko-KR" smtClean="0">
@@ -17859,7 +18585,7 @@
                   <a:prstClr val="black"/>
                 </a:solidFill>
               </a:rPr>
-              <a:t>Gantt Chart </a:t>
+              <a:t>, </a:t>
             </a:r>
             <a:r>
               <a:rPr lang="ko-KR" altLang="en-US" smtClean="0">
@@ -17867,12 +18593,134 @@
                   <a:prstClr val="black"/>
                 </a:solidFill>
               </a:rPr>
-              <a:t>사용</a:t>
+              <a:t>옵션 설정이 가능하고 다양한 차트 유형을 제공</a:t>
             </a:r>
             <a:endParaRPr lang="en-US" altLang="ko-KR" smtClean="0">
               <a:solidFill>
                 <a:prstClr val="black"/>
               </a:solidFill>
+            </a:endParaRPr>
+          </a:p>
+          <a:p>
+            <a:pPr marL="742950" lvl="1" indent="-285750">
+              <a:buFont typeface="Arial" panose="020B0604020202020204" pitchFamily="34" charset="0"/>
+              <a:buChar char="•"/>
+            </a:pPr>
+            <a:r>
+              <a:rPr lang="ko-KR" altLang="en-US" smtClean="0">
+                <a:solidFill>
+                  <a:prstClr val="black"/>
+                </a:solidFill>
+              </a:rPr>
+              <a:t>장점 </a:t>
+            </a:r>
+            <a:r>
+              <a:rPr lang="en-US" altLang="ko-KR" smtClean="0">
+                <a:solidFill>
+                  <a:prstClr val="black"/>
+                </a:solidFill>
+              </a:rPr>
+              <a:t>:</a:t>
+            </a:r>
+            <a:r>
+              <a:rPr lang="ko-KR" altLang="en-US" smtClean="0">
+                <a:solidFill>
+                  <a:prstClr val="black"/>
+                </a:solidFill>
+              </a:rPr>
+              <a:t> 데이터 시각화 라이브러리인 </a:t>
+            </a:r>
+            <a:r>
+              <a:rPr lang="en-US" altLang="ko-KR" smtClean="0">
+                <a:solidFill>
+                  <a:prstClr val="black"/>
+                </a:solidFill>
+              </a:rPr>
+              <a:t>D3.js</a:t>
+            </a:r>
+            <a:r>
+              <a:rPr lang="ko-KR" altLang="en-US" smtClean="0">
+                <a:solidFill>
+                  <a:prstClr val="black"/>
+                </a:solidFill>
+              </a:rPr>
+              <a:t> 보다 사용하기 쉽다</a:t>
+            </a:r>
+            <a:r>
+              <a:rPr lang="en-US" altLang="ko-KR" smtClean="0">
+                <a:solidFill>
+                  <a:prstClr val="black"/>
+                </a:solidFill>
+              </a:rPr>
+              <a:t>.</a:t>
+            </a:r>
+          </a:p>
+        </p:txBody>
+      </p:sp>
+      <p:sp>
+        <p:nvSpPr>
+          <p:cNvPr id="11" name="TextBox 10"/>
+          <p:cNvSpPr txBox="1"/>
+          <p:nvPr/>
+        </p:nvSpPr>
+        <p:spPr>
+          <a:xfrm>
+            <a:off x="1943864" y="802505"/>
+            <a:ext cx="1928186" cy="400110"/>
+          </a:xfrm>
+          <a:prstGeom prst="rect">
+            <a:avLst/>
+          </a:prstGeom>
+          <a:solidFill>
+            <a:srgbClr val="94C3BB"/>
+          </a:solidFill>
+          <a:ln>
+            <a:solidFill>
+              <a:srgbClr val="94C3BB"/>
+            </a:solidFill>
+          </a:ln>
+        </p:spPr>
+        <p:txBody>
+          <a:bodyPr wrap="square" rtlCol="0">
+            <a:spAutoFit/>
+          </a:bodyPr>
+          <a:lstStyle/>
+          <a:p>
+            <a:r>
+              <a:rPr lang="en-US" altLang="ko-KR" sz="2000" smtClean="0">
+                <a:solidFill>
+                  <a:schemeClr val="tx1">
+                    <a:lumMod val="75000"/>
+                    <a:lumOff val="25000"/>
+                  </a:schemeClr>
+                </a:solidFill>
+                <a:latin typeface="타이포_스톰 B" panose="02020503020101020101" pitchFamily="18" charset="-127"/>
+                <a:ea typeface="타이포_스톰 B" panose="02020503020101020101" pitchFamily="18" charset="-127"/>
+              </a:rPr>
+              <a:t>- </a:t>
+            </a:r>
+            <a:r>
+              <a:rPr lang="en-US" altLang="ko-KR" sz="2000" smtClean="0">
+                <a:solidFill>
+                  <a:schemeClr val="tx1">
+                    <a:lumMod val="75000"/>
+                    <a:lumOff val="25000"/>
+                  </a:schemeClr>
+                </a:solidFill>
+                <a:latin typeface="타이포_스톰 B" panose="02020503020101020101" pitchFamily="18" charset="-127"/>
+                <a:ea typeface="타이포_스톰 B" panose="02020503020101020101" pitchFamily="18" charset="-127"/>
+              </a:rPr>
+              <a:t>Example</a:t>
+            </a:r>
+            <a:endParaRPr lang="ko-KR" altLang="en-US" sz="2000" dirty="0">
+              <a:solidFill>
+                <a:schemeClr val="tx1">
+                  <a:lumMod val="75000"/>
+                  <a:lumOff val="25000"/>
+                </a:schemeClr>
+              </a:solidFill>
+              <a:latin typeface="타이포_스톰 B" panose="02020503020101020101" pitchFamily="18" charset="-127"/>
+              <a:ea typeface="타이포_스톰 B" panose="02020503020101020101" pitchFamily="18" charset="-127"/>
             </a:endParaRPr>
           </a:p>
         </p:txBody>
@@ -17897,7 +18745,7 @@
 </p:sld>
 </file>
 
-<file path=ppt/slides/slide6.xml><?xml version="1.0" encoding="utf-8"?>
+<file path=ppt/slides/slide7.xml><?xml version="1.0" encoding="utf-8"?>
 <p:sld xmlns:a="http://schemas.openxmlformats.org/drawingml/2006/main" xmlns:r="http://schemas.openxmlformats.org/officeDocument/2006/relationships" xmlns:p="http://schemas.openxmlformats.org/presentationml/2006/main">
   <p:cSld>
     <p:spTree>
@@ -18262,7 +19110,7 @@
 </p:sld>
 </file>
 
-<file path=ppt/slides/slide7.xml><?xml version="1.0" encoding="utf-8"?>
+<file path=ppt/slides/slide8.xml><?xml version="1.0" encoding="utf-8"?>
 <p:sld xmlns:a="http://schemas.openxmlformats.org/drawingml/2006/main" xmlns:r="http://schemas.openxmlformats.org/officeDocument/2006/relationships" xmlns:p="http://schemas.openxmlformats.org/presentationml/2006/main">
   <p:cSld>
     <p:spTree>
@@ -18664,7 +19512,7 @@
 </p:sld>
 </file>
 
-<file path=ppt/slides/slide8.xml><?xml version="1.0" encoding="utf-8"?>
+<file path=ppt/slides/slide9.xml><?xml version="1.0" encoding="utf-8"?>
 <p:sld xmlns:a="http://schemas.openxmlformats.org/drawingml/2006/main" xmlns:r="http://schemas.openxmlformats.org/officeDocument/2006/relationships" xmlns:p="http://schemas.openxmlformats.org/presentationml/2006/main">
   <p:cSld>
     <p:spTree>
@@ -19031,372 +19879,6 @@
     <p:extLst>
       <p:ext uri="{BB962C8B-B14F-4D97-AF65-F5344CB8AC3E}">
         <p14:creationId xmlns:p14="http://schemas.microsoft.com/office/powerpoint/2010/main" val="1681687842"/>
-      </p:ext>
-    </p:extLst>
-  </p:cSld>
-  <p:clrMapOvr>
-    <a:masterClrMapping/>
-  </p:clrMapOvr>
-  <p:timing>
-    <p:tnLst>
-      <p:par>
-        <p:cTn id="1" dur="indefinite" restart="never" nodeType="tmRoot"/>
-      </p:par>
-    </p:tnLst>
-  </p:timing>
-</p:sld>
-</file>
-
-<file path=ppt/slides/slide9.xml><?xml version="1.0" encoding="utf-8"?>
-<p:sld xmlns:a="http://schemas.openxmlformats.org/drawingml/2006/main" xmlns:r="http://schemas.openxmlformats.org/officeDocument/2006/relationships" xmlns:p="http://schemas.openxmlformats.org/presentationml/2006/main">
-  <p:cSld>
-    <p:spTree>
-      <p:nvGrpSpPr>
-        <p:cNvPr id="1" name=""/>
-        <p:cNvGrpSpPr/>
-        <p:nvPr/>
-      </p:nvGrpSpPr>
-      <p:grpSpPr>
-        <a:xfrm>
-          <a:off x="0" y="0"/>
-          <a:ext cx="0" cy="0"/>
-          <a:chOff x="0" y="0"/>
-          <a:chExt cx="0" cy="0"/>
-        </a:xfrm>
-      </p:grpSpPr>
-      <p:pic>
-        <p:nvPicPr>
-          <p:cNvPr id="4" name="그림 3"/>
-          <p:cNvPicPr>
-            <a:picLocks noChangeAspect="1"/>
-          </p:cNvPicPr>
-          <p:nvPr/>
-        </p:nvPicPr>
-        <p:blipFill rotWithShape="1">
-          <a:blip r:embed="rId2" cstate="print">
-            <a:extLst>
-              <a:ext uri="{28A0092B-C50C-407E-A947-70E740481C1C}">
-                <a14:useLocalDpi xmlns:a14="http://schemas.microsoft.com/office/drawing/2010/main" val="0"/>
-              </a:ext>
-            </a:extLst>
-          </a:blip>
-          <a:srcRect t="67021"/>
-          <a:stretch/>
-        </p:blipFill>
-        <p:spPr>
-          <a:xfrm>
-            <a:off x="3204519" y="1902945"/>
-            <a:ext cx="2877606" cy="661457"/>
-          </a:xfrm>
-          <a:prstGeom prst="rect">
-            <a:avLst/>
-          </a:prstGeom>
-        </p:spPr>
-      </p:pic>
-      <p:grpSp>
-        <p:nvGrpSpPr>
-          <p:cNvPr id="5" name="그룹 4"/>
-          <p:cNvGrpSpPr/>
-          <p:nvPr/>
-        </p:nvGrpSpPr>
-        <p:grpSpPr>
-          <a:xfrm>
-            <a:off x="2895599" y="2567275"/>
-            <a:ext cx="3480487" cy="48901"/>
-            <a:chOff x="0" y="6058453"/>
-            <a:chExt cx="9152314" cy="49876"/>
-          </a:xfrm>
-        </p:grpSpPr>
-        <p:sp>
-          <p:nvSpPr>
-            <p:cNvPr id="6" name="직사각형 5"/>
-            <p:cNvSpPr/>
-            <p:nvPr/>
-          </p:nvSpPr>
-          <p:spPr>
-            <a:xfrm>
-              <a:off x="0" y="6058453"/>
-              <a:ext cx="9144000" cy="49876"/>
-            </a:xfrm>
-            <a:prstGeom prst="rect">
-              <a:avLst/>
-            </a:prstGeom>
-            <a:solidFill>
-              <a:srgbClr val="94C3BB"/>
-            </a:solidFill>
-            <a:ln>
-              <a:noFill/>
-            </a:ln>
-          </p:spPr>
-          <p:style>
-            <a:lnRef idx="2">
-              <a:schemeClr val="accent1">
-                <a:shade val="50000"/>
-              </a:schemeClr>
-            </a:lnRef>
-            <a:fillRef idx="1">
-              <a:schemeClr val="accent1"/>
-            </a:fillRef>
-            <a:effectRef idx="0">
-              <a:schemeClr val="accent1"/>
-            </a:effectRef>
-            <a:fontRef idx="minor">
-              <a:schemeClr val="lt1"/>
-            </a:fontRef>
-          </p:style>
-          <p:txBody>
-            <a:bodyPr rtlCol="0" anchor="ctr"/>
-            <a:lstStyle/>
-            <a:p>
-              <a:pPr algn="ctr"/>
-              <a:endParaRPr lang="ko-KR" altLang="en-US">
-                <a:solidFill>
-                  <a:prstClr val="white"/>
-                </a:solidFill>
-              </a:endParaRPr>
-            </a:p>
-          </p:txBody>
-        </p:sp>
-        <p:sp>
-          <p:nvSpPr>
-            <p:cNvPr id="7" name="직사각형 6"/>
-            <p:cNvSpPr/>
-            <p:nvPr/>
-          </p:nvSpPr>
-          <p:spPr>
-            <a:xfrm>
-              <a:off x="4705004" y="6061421"/>
-              <a:ext cx="4447310" cy="43978"/>
-            </a:xfrm>
-            <a:prstGeom prst="rect">
-              <a:avLst/>
-            </a:prstGeom>
-            <a:solidFill>
-              <a:srgbClr val="FDBBC1"/>
-            </a:solidFill>
-            <a:ln>
-              <a:solidFill>
-                <a:srgbClr val="FDBBC1"/>
-              </a:solidFill>
-            </a:ln>
-          </p:spPr>
-          <p:style>
-            <a:lnRef idx="2">
-              <a:schemeClr val="accent1">
-                <a:shade val="50000"/>
-              </a:schemeClr>
-            </a:lnRef>
-            <a:fillRef idx="1">
-              <a:schemeClr val="accent1"/>
-            </a:fillRef>
-            <a:effectRef idx="0">
-              <a:schemeClr val="accent1"/>
-            </a:effectRef>
-            <a:fontRef idx="minor">
-              <a:schemeClr val="lt1"/>
-            </a:fontRef>
-          </p:style>
-          <p:txBody>
-            <a:bodyPr rtlCol="0" anchor="ctr"/>
-            <a:lstStyle/>
-            <a:p>
-              <a:pPr algn="ctr"/>
-              <a:endParaRPr lang="ko-KR" altLang="en-US">
-                <a:solidFill>
-                  <a:prstClr val="white"/>
-                </a:solidFill>
-              </a:endParaRPr>
-            </a:p>
-          </p:txBody>
-        </p:sp>
-      </p:grpSp>
-      <p:sp>
-        <p:nvSpPr>
-          <p:cNvPr id="8" name="직사각형 7"/>
-          <p:cNvSpPr/>
-          <p:nvPr/>
-        </p:nvSpPr>
-        <p:spPr>
-          <a:xfrm>
-            <a:off x="4595" y="2904002"/>
-            <a:ext cx="9143999" cy="557048"/>
-          </a:xfrm>
-          <a:prstGeom prst="rect">
-            <a:avLst/>
-          </a:prstGeom>
-          <a:solidFill>
-            <a:schemeClr val="bg1"/>
-          </a:solidFill>
-          <a:ln>
-            <a:noFill/>
-          </a:ln>
-        </p:spPr>
-        <p:style>
-          <a:lnRef idx="2">
-            <a:schemeClr val="accent1">
-              <a:shade val="50000"/>
-            </a:schemeClr>
-          </a:lnRef>
-          <a:fillRef idx="1">
-            <a:schemeClr val="accent1"/>
-          </a:fillRef>
-          <a:effectRef idx="0">
-            <a:schemeClr val="accent1"/>
-          </a:effectRef>
-          <a:fontRef idx="minor">
-            <a:schemeClr val="lt1"/>
-          </a:fontRef>
-        </p:style>
-        <p:txBody>
-          <a:bodyPr rtlCol="0" anchor="ctr"/>
-          <a:lstStyle/>
-          <a:p>
-            <a:pPr algn="ctr"/>
-            <a:r>
-              <a:rPr lang="ko-KR" altLang="en-US" sz="2800" smtClean="0">
-                <a:solidFill>
-                  <a:srgbClr val="E7E6E6">
-                    <a:lumMod val="25000"/>
-                  </a:srgbClr>
-                </a:solidFill>
-                <a:latin typeface="타이포_스톰 B" panose="02020503020101020101" pitchFamily="18" charset="-127"/>
-                <a:ea typeface="타이포_스톰 B" panose="02020503020101020101" pitchFamily="18" charset="-127"/>
-              </a:rPr>
-              <a:t>퇴사자 처리</a:t>
-            </a:r>
-            <a:endParaRPr lang="ko-KR" altLang="en-US" sz="2800" dirty="0">
-              <a:solidFill>
-                <a:srgbClr val="E7E6E6">
-                  <a:lumMod val="25000"/>
-                </a:srgbClr>
-              </a:solidFill>
-              <a:latin typeface="타이포_스톰 B" panose="02020503020101020101" pitchFamily="18" charset="-127"/>
-              <a:ea typeface="타이포_스톰 B" panose="02020503020101020101" pitchFamily="18" charset="-127"/>
-            </a:endParaRPr>
-          </a:p>
-        </p:txBody>
-      </p:sp>
-      <p:grpSp>
-        <p:nvGrpSpPr>
-          <p:cNvPr id="10" name="그룹 9"/>
-          <p:cNvGrpSpPr/>
-          <p:nvPr/>
-        </p:nvGrpSpPr>
-        <p:grpSpPr>
-          <a:xfrm rot="10800000">
-            <a:off x="3284078" y="3685324"/>
-            <a:ext cx="2718487" cy="45719"/>
-            <a:chOff x="0" y="6058453"/>
-            <a:chExt cx="9152314" cy="49876"/>
-          </a:xfrm>
-        </p:grpSpPr>
-        <p:sp>
-          <p:nvSpPr>
-            <p:cNvPr id="11" name="직사각형 10"/>
-            <p:cNvSpPr/>
-            <p:nvPr/>
-          </p:nvSpPr>
-          <p:spPr>
-            <a:xfrm>
-              <a:off x="0" y="6058453"/>
-              <a:ext cx="9144000" cy="49876"/>
-            </a:xfrm>
-            <a:prstGeom prst="rect">
-              <a:avLst/>
-            </a:prstGeom>
-            <a:solidFill>
-              <a:srgbClr val="94C3BB"/>
-            </a:solidFill>
-            <a:ln>
-              <a:noFill/>
-            </a:ln>
-          </p:spPr>
-          <p:style>
-            <a:lnRef idx="2">
-              <a:schemeClr val="accent1">
-                <a:shade val="50000"/>
-              </a:schemeClr>
-            </a:lnRef>
-            <a:fillRef idx="1">
-              <a:schemeClr val="accent1"/>
-            </a:fillRef>
-            <a:effectRef idx="0">
-              <a:schemeClr val="accent1"/>
-            </a:effectRef>
-            <a:fontRef idx="minor">
-              <a:schemeClr val="lt1"/>
-            </a:fontRef>
-          </p:style>
-          <p:txBody>
-            <a:bodyPr rtlCol="0" anchor="ctr"/>
-            <a:lstStyle/>
-            <a:p>
-              <a:pPr algn="ctr"/>
-              <a:endParaRPr lang="ko-KR" altLang="en-US">
-                <a:solidFill>
-                  <a:prstClr val="white"/>
-                </a:solidFill>
-              </a:endParaRPr>
-            </a:p>
-          </p:txBody>
-        </p:sp>
-        <p:sp>
-          <p:nvSpPr>
-            <p:cNvPr id="12" name="직사각형 11"/>
-            <p:cNvSpPr/>
-            <p:nvPr/>
-          </p:nvSpPr>
-          <p:spPr>
-            <a:xfrm>
-              <a:off x="4705004" y="6061421"/>
-              <a:ext cx="4447310" cy="43978"/>
-            </a:xfrm>
-            <a:prstGeom prst="rect">
-              <a:avLst/>
-            </a:prstGeom>
-            <a:solidFill>
-              <a:srgbClr val="FDBBC1"/>
-            </a:solidFill>
-            <a:ln>
-              <a:solidFill>
-                <a:srgbClr val="FDBBC1"/>
-              </a:solidFill>
-            </a:ln>
-          </p:spPr>
-          <p:style>
-            <a:lnRef idx="2">
-              <a:schemeClr val="accent1">
-                <a:shade val="50000"/>
-              </a:schemeClr>
-            </a:lnRef>
-            <a:fillRef idx="1">
-              <a:schemeClr val="accent1"/>
-            </a:fillRef>
-            <a:effectRef idx="0">
-              <a:schemeClr val="accent1"/>
-            </a:effectRef>
-            <a:fontRef idx="minor">
-              <a:schemeClr val="lt1"/>
-            </a:fontRef>
-          </p:style>
-          <p:txBody>
-            <a:bodyPr rtlCol="0" anchor="ctr"/>
-            <a:lstStyle/>
-            <a:p>
-              <a:pPr algn="ctr"/>
-              <a:endParaRPr lang="ko-KR" altLang="en-US">
-                <a:solidFill>
-                  <a:prstClr val="white"/>
-                </a:solidFill>
-              </a:endParaRPr>
-            </a:p>
-          </p:txBody>
-        </p:sp>
-      </p:grpSp>
-    </p:spTree>
-    <p:extLst>
-      <p:ext uri="{BB962C8B-B14F-4D97-AF65-F5344CB8AC3E}">
-        <p14:creationId xmlns:p14="http://schemas.microsoft.com/office/powerpoint/2010/main" val="2072351724"/>
       </p:ext>
     </p:extLst>
   </p:cSld>
